--- a/docs/Software Methodologies Fundamentals.pptx
+++ b/docs/Software Methodologies Fundamentals.pptx
@@ -6,34 +6,33 @@
     <p:sldMasterId id="2147484900" r:id="rId2"/>
   </p:sldMasterIdLst>
   <p:notesMasterIdLst>
-    <p:notesMasterId r:id="rId20"/>
+    <p:notesMasterId r:id="rId19"/>
   </p:notesMasterIdLst>
   <p:handoutMasterIdLst>
-    <p:handoutMasterId r:id="rId21"/>
+    <p:handoutMasterId r:id="rId20"/>
   </p:handoutMasterIdLst>
   <p:sldIdLst>
     <p:sldId id="256" r:id="rId3"/>
-    <p:sldId id="257" r:id="rId4"/>
-    <p:sldId id="274" r:id="rId5"/>
-    <p:sldId id="258" r:id="rId6"/>
-    <p:sldId id="259" r:id="rId7"/>
-    <p:sldId id="267" r:id="rId8"/>
-    <p:sldId id="268" r:id="rId9"/>
-    <p:sldId id="269" r:id="rId10"/>
-    <p:sldId id="270" r:id="rId11"/>
-    <p:sldId id="271" r:id="rId12"/>
-    <p:sldId id="272" r:id="rId13"/>
-    <p:sldId id="273" r:id="rId14"/>
-    <p:sldId id="260" r:id="rId15"/>
-    <p:sldId id="261" r:id="rId16"/>
-    <p:sldId id="263" r:id="rId17"/>
-    <p:sldId id="264" r:id="rId18"/>
-    <p:sldId id="266" r:id="rId19"/>
+    <p:sldId id="275" r:id="rId4"/>
+    <p:sldId id="276" r:id="rId5"/>
+    <p:sldId id="257" r:id="rId6"/>
+    <p:sldId id="274" r:id="rId7"/>
+    <p:sldId id="258" r:id="rId8"/>
+    <p:sldId id="259" r:id="rId9"/>
+    <p:sldId id="267" r:id="rId10"/>
+    <p:sldId id="268" r:id="rId11"/>
+    <p:sldId id="269" r:id="rId12"/>
+    <p:sldId id="270" r:id="rId13"/>
+    <p:sldId id="271" r:id="rId14"/>
+    <p:sldId id="272" r:id="rId15"/>
+    <p:sldId id="273" r:id="rId16"/>
+    <p:sldId id="260" r:id="rId17"/>
+    <p:sldId id="266" r:id="rId18"/>
   </p:sldIdLst>
   <p:sldSz cx="9144000" cy="5143500" type="screen16x9"/>
-  <p:notesSz cx="6896100" cy="9236075"/>
+  <p:notesSz cx="6742113" cy="9872663"/>
   <p:custDataLst>
-    <p:tags r:id="rId22"/>
+    <p:tags r:id="rId21"/>
   </p:custDataLst>
   <p:defaultTextStyle>
     <a:defPPr>
@@ -182,12 +181,12 @@
     </p:ext>
     <p:ext uri="{2D200454-40CA-4A62-9FC3-DE9A4176ACB9}">
       <p15:notesGuideLst xmlns:p15="http://schemas.microsoft.com/office/powerpoint/2012/main">
-        <p15:guide id="1" orient="horz" pos="2909">
+        <p15:guide id="1" orient="horz" pos="3110" userDrawn="1">
           <p15:clr>
             <a:srgbClr val="A4A3A4"/>
           </p15:clr>
         </p15:guide>
-        <p15:guide id="2" pos="2172">
+        <p15:guide id="2" pos="2124" userDrawn="1">
           <p15:clr>
             <a:srgbClr val="A4A3A4"/>
           </p15:clr>
@@ -232,8 +231,8 @@
         </p:nvSpPr>
         <p:spPr>
           <a:xfrm>
-            <a:off x="0" y="0"/>
-            <a:ext cx="2987675" cy="461963"/>
+            <a:off x="1" y="1"/>
+            <a:ext cx="2920961" cy="493803"/>
           </a:xfrm>
           <a:prstGeom prst="rect">
             <a:avLst/>
@@ -263,8 +262,8 @@
         </p:nvSpPr>
         <p:spPr>
           <a:xfrm>
-            <a:off x="3906838" y="0"/>
-            <a:ext cx="2987675" cy="461963"/>
+            <a:off x="3819601" y="1"/>
+            <a:ext cx="2920961" cy="493803"/>
           </a:xfrm>
           <a:prstGeom prst="rect">
             <a:avLst/>
@@ -280,7 +279,7 @@
           <a:p>
             <a:fld id="{690F1594-CC62-5845-B1F7-E71E21355CA0}" type="datetimeFigureOut">
               <a:rPr lang="en-US" smtClean="0"/>
-              <a:t>3/11/2019</a:t>
+              <a:t>3/12/2019</a:t>
             </a:fld>
             <a:endParaRPr lang="en-US" dirty="0"/>
           </a:p>
@@ -298,8 +297,8 @@
         </p:nvSpPr>
         <p:spPr>
           <a:xfrm>
-            <a:off x="0" y="8772525"/>
-            <a:ext cx="2987675" cy="461963"/>
+            <a:off x="1" y="9377164"/>
+            <a:ext cx="2920961" cy="493803"/>
           </a:xfrm>
           <a:prstGeom prst="rect">
             <a:avLst/>
@@ -329,8 +328,8 @@
         </p:nvSpPr>
         <p:spPr>
           <a:xfrm>
-            <a:off x="3906838" y="8772525"/>
-            <a:ext cx="2987675" cy="461963"/>
+            <a:off x="3819601" y="9377164"/>
+            <a:ext cx="2920961" cy="493803"/>
           </a:xfrm>
           <a:prstGeom prst="rect">
             <a:avLst/>
@@ -397,8 +396,8 @@
         </p:nvSpPr>
         <p:spPr>
           <a:xfrm>
-            <a:off x="0" y="0"/>
-            <a:ext cx="2987675" cy="461963"/>
+            <a:off x="1" y="1"/>
+            <a:ext cx="2920961" cy="493803"/>
           </a:xfrm>
           <a:prstGeom prst="rect">
             <a:avLst/>
@@ -428,8 +427,8 @@
         </p:nvSpPr>
         <p:spPr>
           <a:xfrm>
-            <a:off x="3906838" y="0"/>
-            <a:ext cx="2987675" cy="461963"/>
+            <a:off x="3819601" y="1"/>
+            <a:ext cx="2920961" cy="493803"/>
           </a:xfrm>
           <a:prstGeom prst="rect">
             <a:avLst/>
@@ -445,7 +444,7 @@
           <a:p>
             <a:fld id="{388D7A57-43EE-2743-A988-E71AC45DE1BD}" type="datetimeFigureOut">
               <a:rPr lang="en-US" smtClean="0"/>
-              <a:t>3/11/2019</a:t>
+              <a:t>3/12/2019</a:t>
             </a:fld>
             <a:endParaRPr lang="en-US" dirty="0"/>
           </a:p>
@@ -463,8 +462,8 @@
         </p:nvSpPr>
         <p:spPr>
           <a:xfrm>
-            <a:off x="369888" y="692150"/>
-            <a:ext cx="6156325" cy="3463925"/>
+            <a:off x="80963" y="739775"/>
+            <a:ext cx="6580187" cy="3702050"/>
           </a:xfrm>
           <a:prstGeom prst="rect">
             <a:avLst/>
@@ -496,8 +495,8 @@
         </p:nvSpPr>
         <p:spPr>
           <a:xfrm>
-            <a:off x="688975" y="4387850"/>
-            <a:ext cx="5518150" cy="4156075"/>
+            <a:off x="673591" y="4690279"/>
+            <a:ext cx="5394932" cy="4442529"/>
           </a:xfrm>
           <a:prstGeom prst="rect">
             <a:avLst/>
@@ -555,8 +554,8 @@
         </p:nvSpPr>
         <p:spPr>
           <a:xfrm>
-            <a:off x="0" y="8772525"/>
-            <a:ext cx="2987675" cy="461963"/>
+            <a:off x="1" y="9377164"/>
+            <a:ext cx="2920961" cy="493803"/>
           </a:xfrm>
           <a:prstGeom prst="rect">
             <a:avLst/>
@@ -586,8 +585,8 @@
         </p:nvSpPr>
         <p:spPr>
           <a:xfrm>
-            <a:off x="3906838" y="8772525"/>
-            <a:ext cx="2987675" cy="461963"/>
+            <a:off x="3819601" y="9377164"/>
+            <a:ext cx="2920961" cy="493803"/>
           </a:xfrm>
           <a:prstGeom prst="rect">
             <a:avLst/>
@@ -4480,51 +4479,315 @@
       </p:grpSpPr>
       <p:sp>
         <p:nvSpPr>
-          <p:cNvPr id="2" name="Title 1"/>
-          <p:cNvSpPr>
-            <a:spLocks noGrp="1"/>
+          <p:cNvPr id="8" name="Title 2">
+            <a:extLst>
+              <a:ext uri="{FF2B5EF4-FFF2-40B4-BE49-F238E27FC236}">
+                <a16:creationId xmlns:a16="http://schemas.microsoft.com/office/drawing/2014/main" id="{9B713A48-E3CB-4184-9117-0363F8072102}"/>
+              </a:ext>
+            </a:extLst>
+          </p:cNvPr>
+          <p:cNvSpPr txBox="1">
+            <a:spLocks/>
           </p:cNvSpPr>
-          <p:nvPr>
-            <p:ph type="ctrTitle"/>
-          </p:nvPr>
+          <p:nvPr/>
         </p:nvSpPr>
-        <p:spPr/>
+        <p:spPr bwMode="gray">
+          <a:xfrm>
+            <a:off x="107504" y="123478"/>
+            <a:ext cx="6629400" cy="432048"/>
+          </a:xfrm>
+          <a:prstGeom prst="rect">
+            <a:avLst/>
+          </a:prstGeom>
+          <a:noFill/>
+          <a:ln>
+            <a:noFill/>
+          </a:ln>
+          <a:extLst/>
+        </p:spPr>
         <p:txBody>
-          <a:bodyPr/>
-          <a:lstStyle/>
-          <a:p>
-            <a:r>
-              <a:rPr lang="en-US" sz="2400" dirty="0"/>
-              <a:t>Software Methodologies Fundamentals</a:t>
+          <a:bodyPr vert="horz" wrap="square" lIns="0" tIns="0" rIns="0" bIns="0" numCol="1" anchor="b" anchorCtr="0" compatLnSpc="1">
+            <a:prstTxWarp prst="textNoShape">
+              <a:avLst/>
+            </a:prstTxWarp>
+          </a:bodyPr>
+          <a:lstStyle>
+            <a:lvl1pPr algn="ctr" rtl="0" eaLnBrk="1" fontAlgn="base" hangingPunct="1">
+              <a:lnSpc>
+                <a:spcPct val="110000"/>
+              </a:lnSpc>
+              <a:spcBef>
+                <a:spcPct val="0"/>
+              </a:spcBef>
+              <a:spcAft>
+                <a:spcPct val="0"/>
+              </a:spcAft>
+              <a:defRPr sz="2000" b="0" smtClean="0">
+                <a:solidFill>
+                  <a:schemeClr val="tx1"/>
+                </a:solidFill>
+                <a:effectLst/>
+                <a:latin typeface="Arial"/>
+                <a:ea typeface="MS PGothic" pitchFamily="34" charset="-128"/>
+                <a:cs typeface="Arial"/>
+              </a:defRPr>
+            </a:lvl1pPr>
+            <a:lvl2pPr algn="l" rtl="0" eaLnBrk="1" fontAlgn="base" hangingPunct="1">
+              <a:spcBef>
+                <a:spcPct val="0"/>
+              </a:spcBef>
+              <a:spcAft>
+                <a:spcPct val="0"/>
+              </a:spcAft>
+              <a:defRPr sz="2400" b="1">
+                <a:solidFill>
+                  <a:schemeClr val="bg1"/>
+                </a:solidFill>
+                <a:effectLst>
+                  <a:outerShdw blurRad="38100" dist="38100" dir="2700000" algn="tl">
+                    <a:srgbClr val="C0C0C0"/>
+                  </a:outerShdw>
+                </a:effectLst>
+                <a:latin typeface="Verdana" pitchFamily="34" charset="0"/>
+                <a:ea typeface="MS PGothic" pitchFamily="34" charset="-128"/>
+                <a:cs typeface="MS PGothic" charset="0"/>
+              </a:defRPr>
+            </a:lvl2pPr>
+            <a:lvl3pPr algn="l" rtl="0" eaLnBrk="1" fontAlgn="base" hangingPunct="1">
+              <a:spcBef>
+                <a:spcPct val="0"/>
+              </a:spcBef>
+              <a:spcAft>
+                <a:spcPct val="0"/>
+              </a:spcAft>
+              <a:defRPr sz="2400" b="1">
+                <a:solidFill>
+                  <a:schemeClr val="bg1"/>
+                </a:solidFill>
+                <a:effectLst>
+                  <a:outerShdw blurRad="38100" dist="38100" dir="2700000" algn="tl">
+                    <a:srgbClr val="C0C0C0"/>
+                  </a:outerShdw>
+                </a:effectLst>
+                <a:latin typeface="Verdana" pitchFamily="34" charset="0"/>
+                <a:ea typeface="MS PGothic" pitchFamily="34" charset="-128"/>
+                <a:cs typeface="MS PGothic" charset="0"/>
+              </a:defRPr>
+            </a:lvl3pPr>
+            <a:lvl4pPr algn="l" rtl="0" eaLnBrk="1" fontAlgn="base" hangingPunct="1">
+              <a:spcBef>
+                <a:spcPct val="0"/>
+              </a:spcBef>
+              <a:spcAft>
+                <a:spcPct val="0"/>
+              </a:spcAft>
+              <a:defRPr sz="2400" b="1">
+                <a:solidFill>
+                  <a:schemeClr val="bg1"/>
+                </a:solidFill>
+                <a:effectLst>
+                  <a:outerShdw blurRad="38100" dist="38100" dir="2700000" algn="tl">
+                    <a:srgbClr val="C0C0C0"/>
+                  </a:outerShdw>
+                </a:effectLst>
+                <a:latin typeface="Verdana" pitchFamily="34" charset="0"/>
+                <a:ea typeface="MS PGothic" pitchFamily="34" charset="-128"/>
+                <a:cs typeface="MS PGothic" charset="0"/>
+              </a:defRPr>
+            </a:lvl4pPr>
+            <a:lvl5pPr algn="l" rtl="0" eaLnBrk="1" fontAlgn="base" hangingPunct="1">
+              <a:spcBef>
+                <a:spcPct val="0"/>
+              </a:spcBef>
+              <a:spcAft>
+                <a:spcPct val="0"/>
+              </a:spcAft>
+              <a:defRPr sz="2400" b="1">
+                <a:solidFill>
+                  <a:schemeClr val="bg1"/>
+                </a:solidFill>
+                <a:effectLst>
+                  <a:outerShdw blurRad="38100" dist="38100" dir="2700000" algn="tl">
+                    <a:srgbClr val="C0C0C0"/>
+                  </a:outerShdw>
+                </a:effectLst>
+                <a:latin typeface="Verdana" pitchFamily="34" charset="0"/>
+                <a:ea typeface="MS PGothic" pitchFamily="34" charset="-128"/>
+                <a:cs typeface="MS PGothic" charset="0"/>
+              </a:defRPr>
+            </a:lvl5pPr>
+            <a:lvl6pPr marL="457200" algn="l" rtl="0" eaLnBrk="1" fontAlgn="base" hangingPunct="1">
+              <a:spcBef>
+                <a:spcPct val="0"/>
+              </a:spcBef>
+              <a:spcAft>
+                <a:spcPct val="0"/>
+              </a:spcAft>
+              <a:defRPr sz="2400" b="1">
+                <a:solidFill>
+                  <a:schemeClr val="bg1"/>
+                </a:solidFill>
+                <a:latin typeface="Verdana" pitchFamily="34" charset="0"/>
+              </a:defRPr>
+            </a:lvl6pPr>
+            <a:lvl7pPr marL="914400" algn="l" rtl="0" eaLnBrk="1" fontAlgn="base" hangingPunct="1">
+              <a:spcBef>
+                <a:spcPct val="0"/>
+              </a:spcBef>
+              <a:spcAft>
+                <a:spcPct val="0"/>
+              </a:spcAft>
+              <a:defRPr sz="2400" b="1">
+                <a:solidFill>
+                  <a:schemeClr val="bg1"/>
+                </a:solidFill>
+                <a:latin typeface="Verdana" pitchFamily="34" charset="0"/>
+              </a:defRPr>
+            </a:lvl7pPr>
+            <a:lvl8pPr marL="1371600" algn="l" rtl="0" eaLnBrk="1" fontAlgn="base" hangingPunct="1">
+              <a:spcBef>
+                <a:spcPct val="0"/>
+              </a:spcBef>
+              <a:spcAft>
+                <a:spcPct val="0"/>
+              </a:spcAft>
+              <a:defRPr sz="2400" b="1">
+                <a:solidFill>
+                  <a:schemeClr val="bg1"/>
+                </a:solidFill>
+                <a:latin typeface="Verdana" pitchFamily="34" charset="0"/>
+              </a:defRPr>
+            </a:lvl8pPr>
+            <a:lvl9pPr marL="1828800" algn="l" rtl="0" eaLnBrk="1" fontAlgn="base" hangingPunct="1">
+              <a:spcBef>
+                <a:spcPct val="0"/>
+              </a:spcBef>
+              <a:spcAft>
+                <a:spcPct val="0"/>
+              </a:spcAft>
+              <a:defRPr sz="2400" b="1">
+                <a:solidFill>
+                  <a:schemeClr val="bg1"/>
+                </a:solidFill>
+                <a:latin typeface="Verdana" pitchFamily="34" charset="0"/>
+              </a:defRPr>
+            </a:lvl9pPr>
+          </a:lstStyle>
+          <a:p>
+            <a:r>
+              <a:rPr lang="en-US" kern="0" dirty="0"/>
+              <a:t>Who are we?</a:t>
             </a:r>
           </a:p>
         </p:txBody>
       </p:sp>
+      <p:pic>
+        <p:nvPicPr>
+          <p:cNvPr id="10" name="Picture 9">
+            <a:extLst>
+              <a:ext uri="{FF2B5EF4-FFF2-40B4-BE49-F238E27FC236}">
+                <a16:creationId xmlns:a16="http://schemas.microsoft.com/office/drawing/2014/main" id="{6841CC15-9630-4B94-9431-669F747092A2}"/>
+              </a:ext>
+            </a:extLst>
+          </p:cNvPr>
+          <p:cNvPicPr>
+            <a:picLocks noChangeAspect="1"/>
+          </p:cNvPicPr>
+          <p:nvPr/>
+        </p:nvPicPr>
+        <p:blipFill>
+          <a:blip r:embed="rId2">
+            <a:extLst>
+              <a:ext uri="{28A0092B-C50C-407E-A947-70E740481C1C}">
+                <a14:useLocalDpi xmlns:a14="http://schemas.microsoft.com/office/drawing/2010/main" val="0"/>
+              </a:ext>
+            </a:extLst>
+          </a:blip>
+          <a:stretch>
+            <a:fillRect/>
+          </a:stretch>
+        </p:blipFill>
+        <p:spPr>
+          <a:xfrm>
+            <a:off x="28724" y="1851670"/>
+            <a:ext cx="4983474" cy="2832348"/>
+          </a:xfrm>
+          <a:prstGeom prst="rect">
+            <a:avLst/>
+          </a:prstGeom>
+        </p:spPr>
+      </p:pic>
+      <p:pic>
+        <p:nvPicPr>
+          <p:cNvPr id="12" name="Picture 11">
+            <a:extLst>
+              <a:ext uri="{FF2B5EF4-FFF2-40B4-BE49-F238E27FC236}">
+                <a16:creationId xmlns:a16="http://schemas.microsoft.com/office/drawing/2014/main" id="{C2602546-3C4D-48C2-9AC8-FC43DFEDDD79}"/>
+              </a:ext>
+            </a:extLst>
+          </p:cNvPr>
+          <p:cNvPicPr>
+            <a:picLocks noChangeAspect="1"/>
+          </p:cNvPicPr>
+          <p:nvPr/>
+        </p:nvPicPr>
+        <p:blipFill>
+          <a:blip r:embed="rId3" cstate="print">
+            <a:extLst>
+              <a:ext uri="{28A0092B-C50C-407E-A947-70E740481C1C}">
+                <a14:useLocalDpi xmlns:a14="http://schemas.microsoft.com/office/drawing/2010/main" val="0"/>
+              </a:ext>
+            </a:extLst>
+          </a:blip>
+          <a:stretch>
+            <a:fillRect/>
+          </a:stretch>
+        </p:blipFill>
+        <p:spPr>
+          <a:xfrm>
+            <a:off x="4283968" y="915566"/>
+            <a:ext cx="4717867" cy="3148390"/>
+          </a:xfrm>
+          <a:prstGeom prst="rect">
+            <a:avLst/>
+          </a:prstGeom>
+        </p:spPr>
+      </p:pic>
       <p:sp>
         <p:nvSpPr>
-          <p:cNvPr id="3" name="Subtitle 2"/>
-          <p:cNvSpPr>
-            <a:spLocks noGrp="1"/>
-          </p:cNvSpPr>
-          <p:nvPr>
-            <p:ph type="subTitle" idx="1"/>
-          </p:nvPr>
+          <p:cNvPr id="13" name="TextBox 12">
+            <a:extLst>
+              <a:ext uri="{FF2B5EF4-FFF2-40B4-BE49-F238E27FC236}">
+                <a16:creationId xmlns:a16="http://schemas.microsoft.com/office/drawing/2014/main" id="{1CA131C1-8A55-43FD-8328-1AB3984D0AF7}"/>
+              </a:ext>
+            </a:extLst>
+          </p:cNvPr>
+          <p:cNvSpPr txBox="1"/>
+          <p:nvPr/>
         </p:nvSpPr>
         <p:spPr>
           <a:xfrm>
-            <a:off x="0" y="2896344"/>
-            <a:ext cx="9144000" cy="971550"/>
+            <a:off x="107504" y="876657"/>
+            <a:ext cx="4104456" cy="830997"/>
           </a:xfrm>
+          <a:prstGeom prst="rect">
+            <a:avLst/>
+          </a:prstGeom>
+          <a:noFill/>
         </p:spPr>
         <p:txBody>
-          <a:bodyPr/>
+          <a:bodyPr wrap="square" rtlCol="0">
+            <a:spAutoFit/>
+          </a:bodyPr>
           <a:lstStyle/>
           <a:p>
             <a:r>
-              <a:rPr lang="en-GB" dirty="0"/>
-              <a:t>The Software Development Life Cycle</a:t>
-            </a:r>
-            <a:endParaRPr lang="en-US" dirty="0"/>
+              <a:rPr lang="en-GB" dirty="0">
+                <a:latin typeface="Arial"/>
+                <a:cs typeface="Arial"/>
+              </a:rPr>
+              <a:t>Waters Wilmslow is the largest site globally committed to the support and development of mass spectrometry systems.</a:t>
+            </a:r>
           </a:p>
         </p:txBody>
       </p:sp>
@@ -4545,6 +4808,758 @@
 </file>
 
 <file path=ppt/slides/slide10.xml><?xml version="1.0" encoding="utf-8"?>
+<p:sld xmlns:a="http://schemas.openxmlformats.org/drawingml/2006/main" xmlns:r="http://schemas.openxmlformats.org/officeDocument/2006/relationships" xmlns:p="http://schemas.openxmlformats.org/presentationml/2006/main">
+  <p:cSld>
+    <p:spTree>
+      <p:nvGrpSpPr>
+        <p:cNvPr id="1" name=""/>
+        <p:cNvGrpSpPr/>
+        <p:nvPr/>
+      </p:nvGrpSpPr>
+      <p:grpSpPr>
+        <a:xfrm>
+          <a:off x="0" y="0"/>
+          <a:ext cx="0" cy="0"/>
+          <a:chOff x="0" y="0"/>
+          <a:chExt cx="0" cy="0"/>
+        </a:xfrm>
+      </p:grpSpPr>
+      <p:sp>
+        <p:nvSpPr>
+          <p:cNvPr id="2" name="Content Placeholder 1"/>
+          <p:cNvSpPr>
+            <a:spLocks noGrp="1"/>
+          </p:cNvSpPr>
+          <p:nvPr>
+            <p:ph idx="1"/>
+          </p:nvPr>
+        </p:nvSpPr>
+        <p:spPr/>
+        <p:txBody>
+          <a:bodyPr>
+            <a:normAutofit/>
+          </a:bodyPr>
+          <a:lstStyle/>
+          <a:p>
+            <a:r>
+              <a:rPr lang="en-GB" dirty="0"/>
+              <a:t>Alternative solutions that meet the requirements are considered.</a:t>
+            </a:r>
+          </a:p>
+          <a:p>
+            <a:r>
+              <a:rPr lang="en-GB" dirty="0"/>
+              <a:t>The chosen design is elaborated and documented in a way that’s accessible to the development team.</a:t>
+            </a:r>
+          </a:p>
+          <a:p>
+            <a:r>
+              <a:rPr lang="en-GB" dirty="0"/>
+              <a:t>The technologies, patterns and components needed to implement the design are specified. Development tools and environment may also be suggested.</a:t>
+            </a:r>
+          </a:p>
+          <a:p>
+            <a:r>
+              <a:rPr lang="en-GB" dirty="0"/>
+              <a:t>May include prototyping and UX research.</a:t>
+            </a:r>
+          </a:p>
+          <a:p>
+            <a:pPr marL="0" indent="0">
+              <a:buNone/>
+            </a:pPr>
+            <a:endParaRPr lang="en-GB" dirty="0"/>
+          </a:p>
+          <a:p>
+            <a:endParaRPr lang="en-GB" dirty="0"/>
+          </a:p>
+          <a:p>
+            <a:pPr marL="0" indent="0">
+              <a:buNone/>
+            </a:pPr>
+            <a:r>
+              <a:rPr lang="en-GB" dirty="0"/>
+              <a:t>The design process is led by the software architect with input from various other stakeholders.</a:t>
+            </a:r>
+          </a:p>
+          <a:p>
+            <a:pPr marL="0" indent="0">
+              <a:buNone/>
+            </a:pPr>
+            <a:endParaRPr lang="en-GB" dirty="0"/>
+          </a:p>
+          <a:p>
+            <a:pPr marL="0" indent="0">
+              <a:buNone/>
+            </a:pPr>
+            <a:endParaRPr lang="en-GB" dirty="0"/>
+          </a:p>
+          <a:p>
+            <a:pPr marL="0" indent="0">
+              <a:buNone/>
+            </a:pPr>
+            <a:endParaRPr lang="en-GB" dirty="0"/>
+          </a:p>
+        </p:txBody>
+      </p:sp>
+      <p:sp>
+        <p:nvSpPr>
+          <p:cNvPr id="3" name="Title 2"/>
+          <p:cNvSpPr>
+            <a:spLocks noGrp="1"/>
+          </p:cNvSpPr>
+          <p:nvPr>
+            <p:ph type="title"/>
+          </p:nvPr>
+        </p:nvSpPr>
+        <p:spPr/>
+        <p:txBody>
+          <a:bodyPr/>
+          <a:lstStyle/>
+          <a:p>
+            <a:r>
+              <a:rPr lang="en-US" dirty="0"/>
+              <a:t>Stage 3: Design</a:t>
+            </a:r>
+          </a:p>
+        </p:txBody>
+      </p:sp>
+    </p:spTree>
+    <p:extLst>
+      <p:ext uri="{BB962C8B-B14F-4D97-AF65-F5344CB8AC3E}">
+        <p14:creationId xmlns:p14="http://schemas.microsoft.com/office/powerpoint/2010/main" val="2527282371"/>
+      </p:ext>
+    </p:extLst>
+  </p:cSld>
+  <p:clrMapOvr>
+    <a:masterClrMapping/>
+  </p:clrMapOvr>
+  <p:transition>
+    <p:wipe dir="r"/>
+  </p:transition>
+  <p:timing>
+    <p:tnLst>
+      <p:par>
+        <p:cTn id="1" dur="indefinite" restart="never" nodeType="tmRoot">
+          <p:childTnLst>
+            <p:seq concurrent="1" nextAc="seek">
+              <p:cTn id="2" dur="indefinite" nodeType="mainSeq">
+                <p:childTnLst>
+                  <p:par>
+                    <p:cTn id="3" fill="hold">
+                      <p:stCondLst>
+                        <p:cond delay="indefinite"/>
+                      </p:stCondLst>
+                      <p:childTnLst>
+                        <p:par>
+                          <p:cTn id="4" fill="hold">
+                            <p:stCondLst>
+                              <p:cond delay="0"/>
+                            </p:stCondLst>
+                            <p:childTnLst>
+                              <p:par>
+                                <p:cTn id="5" presetID="1" presetClass="entr" presetSubtype="0" fill="hold" nodeType="clickEffect">
+                                  <p:stCondLst>
+                                    <p:cond delay="0"/>
+                                  </p:stCondLst>
+                                  <p:childTnLst>
+                                    <p:set>
+                                      <p:cBhvr>
+                                        <p:cTn id="6" dur="1" fill="hold">
+                                          <p:stCondLst>
+                                            <p:cond delay="0"/>
+                                          </p:stCondLst>
+                                        </p:cTn>
+                                        <p:tgtEl>
+                                          <p:spTgt spid="2">
+                                            <p:txEl>
+                                              <p:pRg st="0" end="0"/>
+                                            </p:txEl>
+                                          </p:spTgt>
+                                        </p:tgtEl>
+                                        <p:attrNameLst>
+                                          <p:attrName>style.visibility</p:attrName>
+                                        </p:attrNameLst>
+                                      </p:cBhvr>
+                                      <p:to>
+                                        <p:strVal val="visible"/>
+                                      </p:to>
+                                    </p:set>
+                                  </p:childTnLst>
+                                </p:cTn>
+                              </p:par>
+                            </p:childTnLst>
+                          </p:cTn>
+                        </p:par>
+                      </p:childTnLst>
+                    </p:cTn>
+                  </p:par>
+                  <p:par>
+                    <p:cTn id="7" fill="hold">
+                      <p:stCondLst>
+                        <p:cond delay="indefinite"/>
+                      </p:stCondLst>
+                      <p:childTnLst>
+                        <p:par>
+                          <p:cTn id="8" fill="hold">
+                            <p:stCondLst>
+                              <p:cond delay="0"/>
+                            </p:stCondLst>
+                            <p:childTnLst>
+                              <p:par>
+                                <p:cTn id="9" presetID="1" presetClass="entr" presetSubtype="0" fill="hold" nodeType="clickEffect">
+                                  <p:stCondLst>
+                                    <p:cond delay="0"/>
+                                  </p:stCondLst>
+                                  <p:childTnLst>
+                                    <p:set>
+                                      <p:cBhvr>
+                                        <p:cTn id="10" dur="1" fill="hold">
+                                          <p:stCondLst>
+                                            <p:cond delay="0"/>
+                                          </p:stCondLst>
+                                        </p:cTn>
+                                        <p:tgtEl>
+                                          <p:spTgt spid="2">
+                                            <p:txEl>
+                                              <p:pRg st="1" end="1"/>
+                                            </p:txEl>
+                                          </p:spTgt>
+                                        </p:tgtEl>
+                                        <p:attrNameLst>
+                                          <p:attrName>style.visibility</p:attrName>
+                                        </p:attrNameLst>
+                                      </p:cBhvr>
+                                      <p:to>
+                                        <p:strVal val="visible"/>
+                                      </p:to>
+                                    </p:set>
+                                  </p:childTnLst>
+                                </p:cTn>
+                              </p:par>
+                            </p:childTnLst>
+                          </p:cTn>
+                        </p:par>
+                      </p:childTnLst>
+                    </p:cTn>
+                  </p:par>
+                  <p:par>
+                    <p:cTn id="11" fill="hold">
+                      <p:stCondLst>
+                        <p:cond delay="indefinite"/>
+                      </p:stCondLst>
+                      <p:childTnLst>
+                        <p:par>
+                          <p:cTn id="12" fill="hold">
+                            <p:stCondLst>
+                              <p:cond delay="0"/>
+                            </p:stCondLst>
+                            <p:childTnLst>
+                              <p:par>
+                                <p:cTn id="13" presetID="1" presetClass="entr" presetSubtype="0" fill="hold" nodeType="clickEffect">
+                                  <p:stCondLst>
+                                    <p:cond delay="0"/>
+                                  </p:stCondLst>
+                                  <p:childTnLst>
+                                    <p:set>
+                                      <p:cBhvr>
+                                        <p:cTn id="14" dur="1" fill="hold">
+                                          <p:stCondLst>
+                                            <p:cond delay="0"/>
+                                          </p:stCondLst>
+                                        </p:cTn>
+                                        <p:tgtEl>
+                                          <p:spTgt spid="2">
+                                            <p:txEl>
+                                              <p:pRg st="2" end="2"/>
+                                            </p:txEl>
+                                          </p:spTgt>
+                                        </p:tgtEl>
+                                        <p:attrNameLst>
+                                          <p:attrName>style.visibility</p:attrName>
+                                        </p:attrNameLst>
+                                      </p:cBhvr>
+                                      <p:to>
+                                        <p:strVal val="visible"/>
+                                      </p:to>
+                                    </p:set>
+                                  </p:childTnLst>
+                                </p:cTn>
+                              </p:par>
+                            </p:childTnLst>
+                          </p:cTn>
+                        </p:par>
+                      </p:childTnLst>
+                    </p:cTn>
+                  </p:par>
+                  <p:par>
+                    <p:cTn id="15" fill="hold">
+                      <p:stCondLst>
+                        <p:cond delay="indefinite"/>
+                      </p:stCondLst>
+                      <p:childTnLst>
+                        <p:par>
+                          <p:cTn id="16" fill="hold">
+                            <p:stCondLst>
+                              <p:cond delay="0"/>
+                            </p:stCondLst>
+                            <p:childTnLst>
+                              <p:par>
+                                <p:cTn id="17" presetID="1" presetClass="entr" presetSubtype="0" fill="hold" nodeType="clickEffect">
+                                  <p:stCondLst>
+                                    <p:cond delay="0"/>
+                                  </p:stCondLst>
+                                  <p:childTnLst>
+                                    <p:set>
+                                      <p:cBhvr>
+                                        <p:cTn id="18" dur="1" fill="hold">
+                                          <p:stCondLst>
+                                            <p:cond delay="0"/>
+                                          </p:stCondLst>
+                                        </p:cTn>
+                                        <p:tgtEl>
+                                          <p:spTgt spid="2">
+                                            <p:txEl>
+                                              <p:pRg st="3" end="3"/>
+                                            </p:txEl>
+                                          </p:spTgt>
+                                        </p:tgtEl>
+                                        <p:attrNameLst>
+                                          <p:attrName>style.visibility</p:attrName>
+                                        </p:attrNameLst>
+                                      </p:cBhvr>
+                                      <p:to>
+                                        <p:strVal val="visible"/>
+                                      </p:to>
+                                    </p:set>
+                                  </p:childTnLst>
+                                </p:cTn>
+                              </p:par>
+                            </p:childTnLst>
+                          </p:cTn>
+                        </p:par>
+                      </p:childTnLst>
+                    </p:cTn>
+                  </p:par>
+                  <p:par>
+                    <p:cTn id="19" fill="hold">
+                      <p:stCondLst>
+                        <p:cond delay="indefinite"/>
+                      </p:stCondLst>
+                      <p:childTnLst>
+                        <p:par>
+                          <p:cTn id="20" fill="hold">
+                            <p:stCondLst>
+                              <p:cond delay="0"/>
+                            </p:stCondLst>
+                            <p:childTnLst>
+                              <p:par>
+                                <p:cTn id="21" presetID="1" presetClass="entr" presetSubtype="0" fill="hold" nodeType="clickEffect">
+                                  <p:stCondLst>
+                                    <p:cond delay="0"/>
+                                  </p:stCondLst>
+                                  <p:childTnLst>
+                                    <p:set>
+                                      <p:cBhvr>
+                                        <p:cTn id="22" dur="1" fill="hold">
+                                          <p:stCondLst>
+                                            <p:cond delay="0"/>
+                                          </p:stCondLst>
+                                        </p:cTn>
+                                        <p:tgtEl>
+                                          <p:spTgt spid="2">
+                                            <p:txEl>
+                                              <p:pRg st="6" end="6"/>
+                                            </p:txEl>
+                                          </p:spTgt>
+                                        </p:tgtEl>
+                                        <p:attrNameLst>
+                                          <p:attrName>style.visibility</p:attrName>
+                                        </p:attrNameLst>
+                                      </p:cBhvr>
+                                      <p:to>
+                                        <p:strVal val="visible"/>
+                                      </p:to>
+                                    </p:set>
+                                  </p:childTnLst>
+                                </p:cTn>
+                              </p:par>
+                            </p:childTnLst>
+                          </p:cTn>
+                        </p:par>
+                      </p:childTnLst>
+                    </p:cTn>
+                  </p:par>
+                </p:childTnLst>
+              </p:cTn>
+              <p:prevCondLst>
+                <p:cond evt="onPrev" delay="0">
+                  <p:tgtEl>
+                    <p:sldTgt/>
+                  </p:tgtEl>
+                </p:cond>
+              </p:prevCondLst>
+              <p:nextCondLst>
+                <p:cond evt="onNext" delay="0">
+                  <p:tgtEl>
+                    <p:sldTgt/>
+                  </p:tgtEl>
+                </p:cond>
+              </p:nextCondLst>
+            </p:seq>
+          </p:childTnLst>
+        </p:cTn>
+      </p:par>
+    </p:tnLst>
+  </p:timing>
+</p:sld>
+</file>
+
+<file path=ppt/slides/slide11.xml><?xml version="1.0" encoding="utf-8"?>
+<p:sld xmlns:a="http://schemas.openxmlformats.org/drawingml/2006/main" xmlns:r="http://schemas.openxmlformats.org/officeDocument/2006/relationships" xmlns:p="http://schemas.openxmlformats.org/presentationml/2006/main">
+  <p:cSld>
+    <p:spTree>
+      <p:nvGrpSpPr>
+        <p:cNvPr id="1" name=""/>
+        <p:cNvGrpSpPr/>
+        <p:nvPr/>
+      </p:nvGrpSpPr>
+      <p:grpSpPr>
+        <a:xfrm>
+          <a:off x="0" y="0"/>
+          <a:ext cx="0" cy="0"/>
+          <a:chOff x="0" y="0"/>
+          <a:chExt cx="0" cy="0"/>
+        </a:xfrm>
+      </p:grpSpPr>
+      <p:sp>
+        <p:nvSpPr>
+          <p:cNvPr id="2" name="Content Placeholder 1"/>
+          <p:cNvSpPr>
+            <a:spLocks noGrp="1"/>
+          </p:cNvSpPr>
+          <p:nvPr>
+            <p:ph idx="1"/>
+          </p:nvPr>
+        </p:nvSpPr>
+        <p:spPr/>
+        <p:txBody>
+          <a:bodyPr>
+            <a:normAutofit/>
+          </a:bodyPr>
+          <a:lstStyle/>
+          <a:p>
+            <a:r>
+              <a:rPr lang="en-GB" dirty="0"/>
+              <a:t>The detailed design and product requirements are used to guide the implementation of the software.</a:t>
+            </a:r>
+          </a:p>
+          <a:p>
+            <a:r>
+              <a:rPr lang="en-GB" dirty="0"/>
+              <a:t>Developers should also adhere to any coding standards and quality processes defined by their organisation.</a:t>
+            </a:r>
+          </a:p>
+          <a:p>
+            <a:r>
+              <a:rPr lang="en-GB" dirty="0"/>
+              <a:t>New code may incorporate existing software components and third-party libraries. </a:t>
+            </a:r>
+          </a:p>
+          <a:p>
+            <a:pPr marL="0" indent="0">
+              <a:buNone/>
+            </a:pPr>
+            <a:endParaRPr lang="en-GB" dirty="0"/>
+          </a:p>
+          <a:p>
+            <a:pPr marL="0" indent="0">
+              <a:buNone/>
+            </a:pPr>
+            <a:endParaRPr lang="en-GB" dirty="0"/>
+          </a:p>
+          <a:p>
+            <a:pPr marL="0" indent="0">
+              <a:buNone/>
+            </a:pPr>
+            <a:r>
+              <a:rPr lang="en-GB" dirty="0"/>
+              <a:t>This work is performed by Software Engineers.</a:t>
+            </a:r>
+          </a:p>
+          <a:p>
+            <a:pPr marL="0" indent="0">
+              <a:buNone/>
+            </a:pPr>
+            <a:endParaRPr lang="en-GB" dirty="0"/>
+          </a:p>
+        </p:txBody>
+      </p:sp>
+      <p:sp>
+        <p:nvSpPr>
+          <p:cNvPr id="3" name="Title 2"/>
+          <p:cNvSpPr>
+            <a:spLocks noGrp="1"/>
+          </p:cNvSpPr>
+          <p:nvPr>
+            <p:ph type="title"/>
+          </p:nvPr>
+        </p:nvSpPr>
+        <p:spPr/>
+        <p:txBody>
+          <a:bodyPr/>
+          <a:lstStyle/>
+          <a:p>
+            <a:r>
+              <a:rPr lang="en-US" dirty="0"/>
+              <a:t>Stage 4: Development</a:t>
+            </a:r>
+          </a:p>
+        </p:txBody>
+      </p:sp>
+    </p:spTree>
+    <p:extLst>
+      <p:ext uri="{BB962C8B-B14F-4D97-AF65-F5344CB8AC3E}">
+        <p14:creationId xmlns:p14="http://schemas.microsoft.com/office/powerpoint/2010/main" val="2724617525"/>
+      </p:ext>
+    </p:extLst>
+  </p:cSld>
+  <p:clrMapOvr>
+    <a:masterClrMapping/>
+  </p:clrMapOvr>
+  <p:transition>
+    <p:wipe dir="r"/>
+  </p:transition>
+  <p:timing>
+    <p:tnLst>
+      <p:par>
+        <p:cTn id="1" dur="indefinite" restart="never" nodeType="tmRoot">
+          <p:childTnLst>
+            <p:seq concurrent="1" nextAc="seek">
+              <p:cTn id="2" dur="indefinite" nodeType="mainSeq">
+                <p:childTnLst>
+                  <p:par>
+                    <p:cTn id="3" fill="hold">
+                      <p:stCondLst>
+                        <p:cond delay="indefinite"/>
+                      </p:stCondLst>
+                      <p:childTnLst>
+                        <p:par>
+                          <p:cTn id="4" fill="hold">
+                            <p:stCondLst>
+                              <p:cond delay="0"/>
+                            </p:stCondLst>
+                            <p:childTnLst>
+                              <p:par>
+                                <p:cTn id="5" presetID="1" presetClass="entr" presetSubtype="0" fill="hold" nodeType="clickEffect">
+                                  <p:stCondLst>
+                                    <p:cond delay="0"/>
+                                  </p:stCondLst>
+                                  <p:childTnLst>
+                                    <p:set>
+                                      <p:cBhvr>
+                                        <p:cTn id="6" dur="1" fill="hold">
+                                          <p:stCondLst>
+                                            <p:cond delay="0"/>
+                                          </p:stCondLst>
+                                        </p:cTn>
+                                        <p:tgtEl>
+                                          <p:spTgt spid="2">
+                                            <p:txEl>
+                                              <p:pRg st="0" end="0"/>
+                                            </p:txEl>
+                                          </p:spTgt>
+                                        </p:tgtEl>
+                                        <p:attrNameLst>
+                                          <p:attrName>style.visibility</p:attrName>
+                                        </p:attrNameLst>
+                                      </p:cBhvr>
+                                      <p:to>
+                                        <p:strVal val="visible"/>
+                                      </p:to>
+                                    </p:set>
+                                  </p:childTnLst>
+                                </p:cTn>
+                              </p:par>
+                            </p:childTnLst>
+                          </p:cTn>
+                        </p:par>
+                      </p:childTnLst>
+                    </p:cTn>
+                  </p:par>
+                  <p:par>
+                    <p:cTn id="7" fill="hold">
+                      <p:stCondLst>
+                        <p:cond delay="indefinite"/>
+                      </p:stCondLst>
+                      <p:childTnLst>
+                        <p:par>
+                          <p:cTn id="8" fill="hold">
+                            <p:stCondLst>
+                              <p:cond delay="0"/>
+                            </p:stCondLst>
+                            <p:childTnLst>
+                              <p:par>
+                                <p:cTn id="9" presetID="1" presetClass="entr" presetSubtype="0" fill="hold" nodeType="clickEffect">
+                                  <p:stCondLst>
+                                    <p:cond delay="0"/>
+                                  </p:stCondLst>
+                                  <p:childTnLst>
+                                    <p:set>
+                                      <p:cBhvr>
+                                        <p:cTn id="10" dur="1" fill="hold">
+                                          <p:stCondLst>
+                                            <p:cond delay="0"/>
+                                          </p:stCondLst>
+                                        </p:cTn>
+                                        <p:tgtEl>
+                                          <p:spTgt spid="2">
+                                            <p:txEl>
+                                              <p:pRg st="1" end="1"/>
+                                            </p:txEl>
+                                          </p:spTgt>
+                                        </p:tgtEl>
+                                        <p:attrNameLst>
+                                          <p:attrName>style.visibility</p:attrName>
+                                        </p:attrNameLst>
+                                      </p:cBhvr>
+                                      <p:to>
+                                        <p:strVal val="visible"/>
+                                      </p:to>
+                                    </p:set>
+                                  </p:childTnLst>
+                                </p:cTn>
+                              </p:par>
+                            </p:childTnLst>
+                          </p:cTn>
+                        </p:par>
+                      </p:childTnLst>
+                    </p:cTn>
+                  </p:par>
+                  <p:par>
+                    <p:cTn id="11" fill="hold">
+                      <p:stCondLst>
+                        <p:cond delay="indefinite"/>
+                      </p:stCondLst>
+                      <p:childTnLst>
+                        <p:par>
+                          <p:cTn id="12" fill="hold">
+                            <p:stCondLst>
+                              <p:cond delay="0"/>
+                            </p:stCondLst>
+                            <p:childTnLst>
+                              <p:par>
+                                <p:cTn id="13" presetID="1" presetClass="entr" presetSubtype="0" fill="hold" nodeType="clickEffect">
+                                  <p:stCondLst>
+                                    <p:cond delay="0"/>
+                                  </p:stCondLst>
+                                  <p:childTnLst>
+                                    <p:set>
+                                      <p:cBhvr>
+                                        <p:cTn id="14" dur="1" fill="hold">
+                                          <p:stCondLst>
+                                            <p:cond delay="0"/>
+                                          </p:stCondLst>
+                                        </p:cTn>
+                                        <p:tgtEl>
+                                          <p:spTgt spid="2">
+                                            <p:txEl>
+                                              <p:pRg st="2" end="2"/>
+                                            </p:txEl>
+                                          </p:spTgt>
+                                        </p:tgtEl>
+                                        <p:attrNameLst>
+                                          <p:attrName>style.visibility</p:attrName>
+                                        </p:attrNameLst>
+                                      </p:cBhvr>
+                                      <p:to>
+                                        <p:strVal val="visible"/>
+                                      </p:to>
+                                    </p:set>
+                                  </p:childTnLst>
+                                </p:cTn>
+                              </p:par>
+                            </p:childTnLst>
+                          </p:cTn>
+                        </p:par>
+                      </p:childTnLst>
+                    </p:cTn>
+                  </p:par>
+                  <p:par>
+                    <p:cTn id="15" fill="hold">
+                      <p:stCondLst>
+                        <p:cond delay="indefinite"/>
+                      </p:stCondLst>
+                      <p:childTnLst>
+                        <p:par>
+                          <p:cTn id="16" fill="hold">
+                            <p:stCondLst>
+                              <p:cond delay="0"/>
+                            </p:stCondLst>
+                            <p:childTnLst>
+                              <p:par>
+                                <p:cTn id="17" presetID="1" presetClass="entr" presetSubtype="0" fill="hold" nodeType="clickEffect">
+                                  <p:stCondLst>
+                                    <p:cond delay="0"/>
+                                  </p:stCondLst>
+                                  <p:childTnLst>
+                                    <p:set>
+                                      <p:cBhvr>
+                                        <p:cTn id="18" dur="1" fill="hold">
+                                          <p:stCondLst>
+                                            <p:cond delay="0"/>
+                                          </p:stCondLst>
+                                        </p:cTn>
+                                        <p:tgtEl>
+                                          <p:spTgt spid="2">
+                                            <p:txEl>
+                                              <p:pRg st="5" end="5"/>
+                                            </p:txEl>
+                                          </p:spTgt>
+                                        </p:tgtEl>
+                                        <p:attrNameLst>
+                                          <p:attrName>style.visibility</p:attrName>
+                                        </p:attrNameLst>
+                                      </p:cBhvr>
+                                      <p:to>
+                                        <p:strVal val="visible"/>
+                                      </p:to>
+                                    </p:set>
+                                  </p:childTnLst>
+                                </p:cTn>
+                              </p:par>
+                            </p:childTnLst>
+                          </p:cTn>
+                        </p:par>
+                      </p:childTnLst>
+                    </p:cTn>
+                  </p:par>
+                </p:childTnLst>
+              </p:cTn>
+              <p:prevCondLst>
+                <p:cond evt="onPrev" delay="0">
+                  <p:tgtEl>
+                    <p:sldTgt/>
+                  </p:tgtEl>
+                </p:cond>
+              </p:prevCondLst>
+              <p:nextCondLst>
+                <p:cond evt="onNext" delay="0">
+                  <p:tgtEl>
+                    <p:sldTgt/>
+                  </p:tgtEl>
+                </p:cond>
+              </p:nextCondLst>
+            </p:seq>
+          </p:childTnLst>
+        </p:cTn>
+      </p:par>
+    </p:tnLst>
+  </p:timing>
+</p:sld>
+</file>
+
+<file path=ppt/slides/slide12.xml><?xml version="1.0" encoding="utf-8"?>
 <p:sld xmlns:a="http://schemas.openxmlformats.org/drawingml/2006/main" xmlns:r="http://schemas.openxmlformats.org/officeDocument/2006/relationships" xmlns:p="http://schemas.openxmlformats.org/presentationml/2006/main">
   <p:cSld>
     <p:spTree>
@@ -5161,7 +6176,7 @@
 </p:sld>
 </file>
 
-<file path=ppt/slides/slide11.xml><?xml version="1.0" encoding="utf-8"?>
+<file path=ppt/slides/slide13.xml><?xml version="1.0" encoding="utf-8"?>
 <p:sld xmlns:a="http://schemas.openxmlformats.org/drawingml/2006/main" xmlns:r="http://schemas.openxmlformats.org/officeDocument/2006/relationships" xmlns:p="http://schemas.openxmlformats.org/presentationml/2006/main">
   <p:cSld>
     <p:spTree>
@@ -5557,7 +6572,7 @@
 </p:sld>
 </file>
 
-<file path=ppt/slides/slide12.xml><?xml version="1.0" encoding="utf-8"?>
+<file path=ppt/slides/slide14.xml><?xml version="1.0" encoding="utf-8"?>
 <p:sld xmlns:a="http://schemas.openxmlformats.org/drawingml/2006/main" xmlns:r="http://schemas.openxmlformats.org/officeDocument/2006/relationships" xmlns:p="http://schemas.openxmlformats.org/presentationml/2006/main">
   <p:cSld>
     <p:spTree>
@@ -5612,6 +6627,21 @@
             <a:r>
               <a:rPr lang="en-GB" dirty="0"/>
               <a:t>Make it easy for users to give feedback and make feature requests.</a:t>
+            </a:r>
+          </a:p>
+          <a:p>
+            <a:endParaRPr lang="en-GB" dirty="0"/>
+          </a:p>
+          <a:p>
+            <a:endParaRPr lang="en-GB" dirty="0"/>
+          </a:p>
+          <a:p>
+            <a:pPr marL="0" indent="0">
+              <a:buNone/>
+            </a:pPr>
+            <a:r>
+              <a:rPr lang="en-GB" dirty="0"/>
+              <a:t>This work may be performed by dedicated support staff and operations engineers often with the development team providing third line software support.</a:t>
             </a:r>
           </a:p>
           <a:p>
@@ -5870,6 +6900,55 @@
                       </p:childTnLst>
                     </p:cTn>
                   </p:par>
+                  <p:par>
+                    <p:cTn id="19" fill="hold">
+                      <p:stCondLst>
+                        <p:cond delay="indefinite"/>
+                      </p:stCondLst>
+                      <p:childTnLst>
+                        <p:par>
+                          <p:cTn id="20" fill="hold">
+                            <p:stCondLst>
+                              <p:cond delay="0"/>
+                            </p:stCondLst>
+                            <p:childTnLst>
+                              <p:par>
+                                <p:cTn id="21" presetID="1" presetClass="entr" presetSubtype="0" fill="hold" nodeType="clickEffect">
+                                  <p:stCondLst>
+                                    <p:cond delay="0"/>
+                                  </p:stCondLst>
+                                  <p:childTnLst>
+                                    <p:set>
+                                      <p:cBhvr>
+                                        <p:cTn id="22" dur="1" fill="hold">
+                                          <p:stCondLst>
+                                            <p:cond delay="0"/>
+                                          </p:stCondLst>
+                                        </p:cTn>
+                                        <p:tgtEl>
+                                          <p:spTgt spid="2">
+                                            <p:txEl>
+                                              <p:pRg st="6" end="6"/>
+                                            </p:txEl>
+                                          </p:spTgt>
+                                        </p:tgtEl>
+                                        <p:attrNameLst>
+                                          <p:attrName>style.visibility</p:attrName>
+                                        </p:attrNameLst>
+                                      </p:cBhvr>
+                                      <p:to>
+                                        <p:strVal val="visible"/>
+                                      </p:to>
+                                    </p:set>
+                                  </p:childTnLst>
+                                </p:cTn>
+                              </p:par>
+                            </p:childTnLst>
+                          </p:cTn>
+                        </p:par>
+                      </p:childTnLst>
+                    </p:cTn>
+                  </p:par>
                 </p:childTnLst>
               </p:cTn>
               <p:prevCondLst>
@@ -5895,7 +6974,7 @@
 </p:sld>
 </file>
 
-<file path=ppt/slides/slide13.xml><?xml version="1.0" encoding="utf-8"?>
+<file path=ppt/slides/slide15.xml><?xml version="1.0" encoding="utf-8"?>
 <p:sld xmlns:a="http://schemas.openxmlformats.org/drawingml/2006/main" xmlns:r="http://schemas.openxmlformats.org/officeDocument/2006/relationships" xmlns:p="http://schemas.openxmlformats.org/presentationml/2006/main">
   <p:cSld>
     <p:spTree>
@@ -6163,353 +7242,7 @@
 </p:sld>
 </file>
 
-<file path=ppt/slides/slide14.xml><?xml version="1.0" encoding="utf-8"?>
-<p:sld xmlns:a="http://schemas.openxmlformats.org/drawingml/2006/main" xmlns:r="http://schemas.openxmlformats.org/officeDocument/2006/relationships" xmlns:p="http://schemas.openxmlformats.org/presentationml/2006/main">
-  <p:cSld>
-    <p:spTree>
-      <p:nvGrpSpPr>
-        <p:cNvPr id="1" name=""/>
-        <p:cNvGrpSpPr/>
-        <p:nvPr/>
-      </p:nvGrpSpPr>
-      <p:grpSpPr>
-        <a:xfrm>
-          <a:off x="0" y="0"/>
-          <a:ext cx="0" cy="0"/>
-          <a:chOff x="0" y="0"/>
-          <a:chExt cx="0" cy="0"/>
-        </a:xfrm>
-      </p:grpSpPr>
-      <p:sp>
-        <p:nvSpPr>
-          <p:cNvPr id="2" name="Content Placeholder 1"/>
-          <p:cNvSpPr>
-            <a:spLocks noGrp="1"/>
-          </p:cNvSpPr>
-          <p:nvPr>
-            <p:ph sz="half" idx="1"/>
-          </p:nvPr>
-        </p:nvSpPr>
-        <p:spPr/>
-        <p:txBody>
-          <a:bodyPr/>
-          <a:lstStyle/>
-          <a:p>
-            <a:endParaRPr lang="en-US" dirty="0"/>
-          </a:p>
-        </p:txBody>
-      </p:sp>
-      <p:sp>
-        <p:nvSpPr>
-          <p:cNvPr id="3" name="Content Placeholder 2"/>
-          <p:cNvSpPr>
-            <a:spLocks noGrp="1"/>
-          </p:cNvSpPr>
-          <p:nvPr>
-            <p:ph sz="half" idx="2"/>
-          </p:nvPr>
-        </p:nvSpPr>
-        <p:spPr/>
-        <p:txBody>
-          <a:bodyPr/>
-          <a:lstStyle/>
-          <a:p>
-            <a:endParaRPr lang="en-US" dirty="0"/>
-          </a:p>
-        </p:txBody>
-      </p:sp>
-      <p:sp>
-        <p:nvSpPr>
-          <p:cNvPr id="4" name="Title 3"/>
-          <p:cNvSpPr>
-            <a:spLocks noGrp="1"/>
-          </p:cNvSpPr>
-          <p:nvPr>
-            <p:ph type="title"/>
-          </p:nvPr>
-        </p:nvSpPr>
-        <p:spPr/>
-        <p:txBody>
-          <a:bodyPr/>
-          <a:lstStyle/>
-          <a:p>
-            <a:endParaRPr lang="en-US" dirty="0"/>
-          </a:p>
-        </p:txBody>
-      </p:sp>
-    </p:spTree>
-    <p:extLst>
-      <p:ext uri="{BB962C8B-B14F-4D97-AF65-F5344CB8AC3E}">
-        <p14:creationId xmlns:p14="http://schemas.microsoft.com/office/powerpoint/2010/main" val="2119368054"/>
-      </p:ext>
-    </p:extLst>
-  </p:cSld>
-  <p:clrMapOvr>
-    <a:masterClrMapping/>
-  </p:clrMapOvr>
-  <p:transition>
-    <p:wipe dir="r"/>
-  </p:transition>
-</p:sld>
-</file>
-
-<file path=ppt/slides/slide15.xml><?xml version="1.0" encoding="utf-8"?>
-<p:sld xmlns:a="http://schemas.openxmlformats.org/drawingml/2006/main" xmlns:r="http://schemas.openxmlformats.org/officeDocument/2006/relationships" xmlns:p="http://schemas.openxmlformats.org/presentationml/2006/main">
-  <p:cSld>
-    <p:spTree>
-      <p:nvGrpSpPr>
-        <p:cNvPr id="1" name=""/>
-        <p:cNvGrpSpPr/>
-        <p:nvPr/>
-      </p:nvGrpSpPr>
-      <p:grpSpPr>
-        <a:xfrm>
-          <a:off x="0" y="0"/>
-          <a:ext cx="0" cy="0"/>
-          <a:chOff x="0" y="0"/>
-          <a:chExt cx="0" cy="0"/>
-        </a:xfrm>
-      </p:grpSpPr>
-      <p:sp>
-        <p:nvSpPr>
-          <p:cNvPr id="2" name="Text Placeholder 1"/>
-          <p:cNvSpPr>
-            <a:spLocks noGrp="1"/>
-          </p:cNvSpPr>
-          <p:nvPr>
-            <p:ph type="body" idx="1"/>
-          </p:nvPr>
-        </p:nvSpPr>
-        <p:spPr/>
-        <p:txBody>
-          <a:bodyPr/>
-          <a:lstStyle/>
-          <a:p>
-            <a:endParaRPr lang="en-US" dirty="0"/>
-          </a:p>
-        </p:txBody>
-      </p:sp>
-      <p:sp>
-        <p:nvSpPr>
-          <p:cNvPr id="3" name="Text Placeholder 2"/>
-          <p:cNvSpPr>
-            <a:spLocks noGrp="1"/>
-          </p:cNvSpPr>
-          <p:nvPr>
-            <p:ph type="body" sz="quarter" idx="3"/>
-          </p:nvPr>
-        </p:nvSpPr>
-        <p:spPr/>
-        <p:txBody>
-          <a:bodyPr/>
-          <a:lstStyle/>
-          <a:p>
-            <a:endParaRPr lang="en-US" dirty="0"/>
-          </a:p>
-        </p:txBody>
-      </p:sp>
-      <p:sp>
-        <p:nvSpPr>
-          <p:cNvPr id="4" name="Content Placeholder 3"/>
-          <p:cNvSpPr>
-            <a:spLocks noGrp="1"/>
-          </p:cNvSpPr>
-          <p:nvPr>
-            <p:ph sz="quarter" idx="10"/>
-          </p:nvPr>
-        </p:nvSpPr>
-        <p:spPr/>
-        <p:txBody>
-          <a:bodyPr/>
-          <a:lstStyle/>
-          <a:p>
-            <a:endParaRPr lang="en-US" dirty="0"/>
-          </a:p>
-        </p:txBody>
-      </p:sp>
-      <p:sp>
-        <p:nvSpPr>
-          <p:cNvPr id="5" name="Title 4"/>
-          <p:cNvSpPr>
-            <a:spLocks noGrp="1"/>
-          </p:cNvSpPr>
-          <p:nvPr>
-            <p:ph type="title"/>
-          </p:nvPr>
-        </p:nvSpPr>
-        <p:spPr/>
-        <p:txBody>
-          <a:bodyPr/>
-          <a:lstStyle/>
-          <a:p>
-            <a:endParaRPr lang="en-US" dirty="0"/>
-          </a:p>
-        </p:txBody>
-      </p:sp>
-      <p:sp>
-        <p:nvSpPr>
-          <p:cNvPr id="6" name="Content Placeholder 5"/>
-          <p:cNvSpPr>
-            <a:spLocks noGrp="1"/>
-          </p:cNvSpPr>
-          <p:nvPr>
-            <p:ph sz="quarter" idx="11"/>
-          </p:nvPr>
-        </p:nvSpPr>
-        <p:spPr/>
-        <p:txBody>
-          <a:bodyPr/>
-          <a:lstStyle/>
-          <a:p>
-            <a:endParaRPr lang="en-US" dirty="0"/>
-          </a:p>
-        </p:txBody>
-      </p:sp>
-    </p:spTree>
-    <p:extLst>
-      <p:ext uri="{BB962C8B-B14F-4D97-AF65-F5344CB8AC3E}">
-        <p14:creationId xmlns:p14="http://schemas.microsoft.com/office/powerpoint/2010/main" val="3522632263"/>
-      </p:ext>
-    </p:extLst>
-  </p:cSld>
-  <p:clrMapOvr>
-    <a:masterClrMapping/>
-  </p:clrMapOvr>
-  <p:transition>
-    <p:wipe dir="r"/>
-  </p:transition>
-</p:sld>
-</file>
-
 <file path=ppt/slides/slide16.xml><?xml version="1.0" encoding="utf-8"?>
-<p:sld xmlns:a="http://schemas.openxmlformats.org/drawingml/2006/main" xmlns:r="http://schemas.openxmlformats.org/officeDocument/2006/relationships" xmlns:p="http://schemas.openxmlformats.org/presentationml/2006/main">
-  <p:cSld>
-    <p:spTree>
-      <p:nvGrpSpPr>
-        <p:cNvPr id="1" name=""/>
-        <p:cNvGrpSpPr/>
-        <p:nvPr/>
-      </p:nvGrpSpPr>
-      <p:grpSpPr>
-        <a:xfrm>
-          <a:off x="0" y="0"/>
-          <a:ext cx="0" cy="0"/>
-          <a:chOff x="0" y="0"/>
-          <a:chExt cx="0" cy="0"/>
-        </a:xfrm>
-      </p:grpSpPr>
-      <p:sp>
-        <p:nvSpPr>
-          <p:cNvPr id="2" name="Title 1"/>
-          <p:cNvSpPr>
-            <a:spLocks noGrp="1"/>
-          </p:cNvSpPr>
-          <p:nvPr>
-            <p:ph type="title"/>
-          </p:nvPr>
-        </p:nvSpPr>
-        <p:spPr/>
-        <p:txBody>
-          <a:bodyPr/>
-          <a:lstStyle/>
-          <a:p>
-            <a:endParaRPr lang="en-US" dirty="0"/>
-          </a:p>
-        </p:txBody>
-      </p:sp>
-      <p:sp>
-        <p:nvSpPr>
-          <p:cNvPr id="3" name="Content Placeholder 2"/>
-          <p:cNvSpPr>
-            <a:spLocks noGrp="1"/>
-          </p:cNvSpPr>
-          <p:nvPr>
-            <p:ph sz="half" idx="1"/>
-          </p:nvPr>
-        </p:nvSpPr>
-        <p:spPr/>
-        <p:txBody>
-          <a:bodyPr/>
-          <a:lstStyle/>
-          <a:p>
-            <a:endParaRPr lang="en-US" dirty="0"/>
-          </a:p>
-        </p:txBody>
-      </p:sp>
-      <p:sp>
-        <p:nvSpPr>
-          <p:cNvPr id="4" name="Content Placeholder 3"/>
-          <p:cNvSpPr>
-            <a:spLocks noGrp="1"/>
-          </p:cNvSpPr>
-          <p:nvPr>
-            <p:ph sz="half" idx="10"/>
-          </p:nvPr>
-        </p:nvSpPr>
-        <p:spPr/>
-        <p:txBody>
-          <a:bodyPr/>
-          <a:lstStyle/>
-          <a:p>
-            <a:endParaRPr lang="en-US" dirty="0"/>
-          </a:p>
-        </p:txBody>
-      </p:sp>
-      <p:sp>
-        <p:nvSpPr>
-          <p:cNvPr id="5" name="Content Placeholder 4"/>
-          <p:cNvSpPr>
-            <a:spLocks noGrp="1"/>
-          </p:cNvSpPr>
-          <p:nvPr>
-            <p:ph sz="half" idx="11"/>
-          </p:nvPr>
-        </p:nvSpPr>
-        <p:spPr/>
-        <p:txBody>
-          <a:bodyPr/>
-          <a:lstStyle/>
-          <a:p>
-            <a:endParaRPr lang="en-US" dirty="0"/>
-          </a:p>
-        </p:txBody>
-      </p:sp>
-      <p:sp>
-        <p:nvSpPr>
-          <p:cNvPr id="6" name="Content Placeholder 5"/>
-          <p:cNvSpPr>
-            <a:spLocks noGrp="1"/>
-          </p:cNvSpPr>
-          <p:nvPr>
-            <p:ph sz="half" idx="12"/>
-          </p:nvPr>
-        </p:nvSpPr>
-        <p:spPr/>
-        <p:txBody>
-          <a:bodyPr/>
-          <a:lstStyle/>
-          <a:p>
-            <a:endParaRPr lang="en-US" dirty="0"/>
-          </a:p>
-        </p:txBody>
-      </p:sp>
-    </p:spTree>
-    <p:extLst>
-      <p:ext uri="{BB962C8B-B14F-4D97-AF65-F5344CB8AC3E}">
-        <p14:creationId xmlns:p14="http://schemas.microsoft.com/office/powerpoint/2010/main" val="3029952512"/>
-      </p:ext>
-    </p:extLst>
-  </p:cSld>
-  <p:clrMapOvr>
-    <a:masterClrMapping/>
-  </p:clrMapOvr>
-  <p:transition>
-    <p:wipe dir="r"/>
-  </p:transition>
-</p:sld>
-</file>
-
-<file path=ppt/slides/slide17.xml><?xml version="1.0" encoding="utf-8"?>
 <p:sld xmlns:a="http://schemas.openxmlformats.org/drawingml/2006/main" xmlns:r="http://schemas.openxmlformats.org/officeDocument/2006/relationships" xmlns:p="http://schemas.openxmlformats.org/presentationml/2006/main">
   <p:cSld>
     <p:spTree>
@@ -6558,6 +7291,559 @@
       </p:grpSpPr>
       <p:sp>
         <p:nvSpPr>
+          <p:cNvPr id="7" name="Subtitle 6">
+            <a:extLst>
+              <a:ext uri="{FF2B5EF4-FFF2-40B4-BE49-F238E27FC236}">
+                <a16:creationId xmlns:a16="http://schemas.microsoft.com/office/drawing/2014/main" id="{E5119810-4157-46FB-B697-7FA2F99FD4FF}"/>
+              </a:ext>
+            </a:extLst>
+          </p:cNvPr>
+          <p:cNvSpPr>
+            <a:spLocks noGrp="1"/>
+          </p:cNvSpPr>
+          <p:nvPr>
+            <p:ph type="subTitle" idx="1"/>
+          </p:nvPr>
+        </p:nvSpPr>
+        <p:spPr>
+          <a:xfrm>
+            <a:off x="755576" y="193204"/>
+            <a:ext cx="4968552" cy="434330"/>
+          </a:xfrm>
+        </p:spPr>
+        <p:txBody>
+          <a:bodyPr/>
+          <a:lstStyle/>
+          <a:p>
+            <a:r>
+              <a:rPr lang="en-GB" sz="2000" dirty="0"/>
+              <a:t>Agenda</a:t>
+            </a:r>
+          </a:p>
+        </p:txBody>
+      </p:sp>
+      <p:sp>
+        <p:nvSpPr>
+          <p:cNvPr id="8" name="Subtitle 6">
+            <a:extLst>
+              <a:ext uri="{FF2B5EF4-FFF2-40B4-BE49-F238E27FC236}">
+                <a16:creationId xmlns:a16="http://schemas.microsoft.com/office/drawing/2014/main" id="{F416C963-10BD-4CE4-978C-C29D3D4581E3}"/>
+              </a:ext>
+            </a:extLst>
+          </p:cNvPr>
+          <p:cNvSpPr txBox="1">
+            <a:spLocks/>
+          </p:cNvSpPr>
+          <p:nvPr/>
+        </p:nvSpPr>
+        <p:spPr bwMode="gray">
+          <a:xfrm>
+            <a:off x="755576" y="627534"/>
+            <a:ext cx="2304256" cy="434330"/>
+          </a:xfrm>
+          <a:prstGeom prst="rect">
+            <a:avLst/>
+          </a:prstGeom>
+          <a:noFill/>
+          <a:ln w="9525">
+            <a:noFill/>
+            <a:miter lim="800000"/>
+            <a:headEnd/>
+            <a:tailEnd/>
+          </a:ln>
+        </p:spPr>
+        <p:txBody>
+          <a:bodyPr vert="horz" wrap="square" lIns="91440" tIns="45720" rIns="91440" bIns="45720" numCol="1" anchor="t" anchorCtr="0" compatLnSpc="1">
+            <a:prstTxWarp prst="textNoShape">
+              <a:avLst/>
+            </a:prstTxWarp>
+          </a:bodyPr>
+          <a:lstStyle>
+            <a:lvl1pPr marL="0" indent="0" algn="ctr" rtl="0" eaLnBrk="1" fontAlgn="base" hangingPunct="1">
+              <a:lnSpc>
+                <a:spcPct val="110000"/>
+              </a:lnSpc>
+              <a:spcBef>
+                <a:spcPct val="20000"/>
+              </a:spcBef>
+              <a:spcAft>
+                <a:spcPct val="0"/>
+              </a:spcAft>
+              <a:buClr>
+                <a:schemeClr val="accent1"/>
+              </a:buClr>
+              <a:buFont typeface="Wingdings 2" pitchFamily="18" charset="2"/>
+              <a:buNone/>
+              <a:defRPr sz="1800" b="0" smtClean="0">
+                <a:solidFill>
+                  <a:srgbClr val="006DAC"/>
+                </a:solidFill>
+                <a:effectLst/>
+                <a:latin typeface="Arial"/>
+                <a:ea typeface="MS PGothic" pitchFamily="34" charset="-128"/>
+                <a:cs typeface="Arial"/>
+              </a:defRPr>
+            </a:lvl1pPr>
+            <a:lvl2pPr marL="457200" indent="-223838" algn="l" rtl="0" eaLnBrk="1" fontAlgn="base" hangingPunct="1">
+              <a:lnSpc>
+                <a:spcPct val="110000"/>
+              </a:lnSpc>
+              <a:spcBef>
+                <a:spcPct val="20000"/>
+              </a:spcBef>
+              <a:spcAft>
+                <a:spcPct val="0"/>
+              </a:spcAft>
+              <a:buClr>
+                <a:schemeClr val="accent1"/>
+              </a:buClr>
+              <a:buFont typeface="Verdana" pitchFamily="34" charset="0"/>
+              <a:buChar char="–"/>
+              <a:defRPr sz="1600">
+                <a:solidFill>
+                  <a:schemeClr val="tx1"/>
+                </a:solidFill>
+                <a:latin typeface="Arial"/>
+                <a:ea typeface="MS PGothic" pitchFamily="34" charset="-128"/>
+                <a:cs typeface="Arial"/>
+              </a:defRPr>
+            </a:lvl2pPr>
+            <a:lvl3pPr marL="693738" indent="-228600" algn="l" rtl="0" eaLnBrk="1" fontAlgn="base" hangingPunct="1">
+              <a:lnSpc>
+                <a:spcPct val="110000"/>
+              </a:lnSpc>
+              <a:spcBef>
+                <a:spcPct val="20000"/>
+              </a:spcBef>
+              <a:spcAft>
+                <a:spcPct val="0"/>
+              </a:spcAft>
+              <a:buClr>
+                <a:schemeClr val="accent1"/>
+              </a:buClr>
+              <a:buSzPct val="80000"/>
+              <a:buFont typeface="Courier New" pitchFamily="49" charset="0"/>
+              <a:buChar char="o"/>
+              <a:defRPr sz="1600">
+                <a:solidFill>
+                  <a:schemeClr val="tx1"/>
+                </a:solidFill>
+                <a:latin typeface="Arial"/>
+                <a:ea typeface="MS PGothic" pitchFamily="34" charset="-128"/>
+                <a:cs typeface="Arial"/>
+              </a:defRPr>
+            </a:lvl3pPr>
+            <a:lvl4pPr marL="917575" indent="-228600" algn="l" rtl="0" eaLnBrk="1" fontAlgn="base" hangingPunct="1">
+              <a:lnSpc>
+                <a:spcPct val="110000"/>
+              </a:lnSpc>
+              <a:spcBef>
+                <a:spcPct val="20000"/>
+              </a:spcBef>
+              <a:spcAft>
+                <a:spcPct val="0"/>
+              </a:spcAft>
+              <a:buClr>
+                <a:schemeClr val="accent1"/>
+              </a:buClr>
+              <a:buFont typeface="Arial" charset="0"/>
+              <a:buChar char="•"/>
+              <a:defRPr sz="1600">
+                <a:solidFill>
+                  <a:schemeClr val="tx1"/>
+                </a:solidFill>
+                <a:latin typeface="Arial"/>
+                <a:ea typeface="MS PGothic" pitchFamily="34" charset="-128"/>
+                <a:cs typeface="Arial"/>
+              </a:defRPr>
+            </a:lvl4pPr>
+            <a:lvl5pPr marL="1150938" indent="-228600" algn="l" rtl="0" eaLnBrk="1" fontAlgn="base" hangingPunct="1">
+              <a:lnSpc>
+                <a:spcPct val="110000"/>
+              </a:lnSpc>
+              <a:spcBef>
+                <a:spcPct val="20000"/>
+              </a:spcBef>
+              <a:spcAft>
+                <a:spcPct val="0"/>
+              </a:spcAft>
+              <a:buClr>
+                <a:schemeClr val="accent1"/>
+              </a:buClr>
+              <a:buFont typeface="Arial" charset="0"/>
+              <a:buChar char="•"/>
+              <a:defRPr sz="1600">
+                <a:solidFill>
+                  <a:schemeClr val="tx1"/>
+                </a:solidFill>
+                <a:latin typeface="Arial"/>
+                <a:ea typeface="MS PGothic" pitchFamily="34" charset="-128"/>
+                <a:cs typeface="Arial"/>
+              </a:defRPr>
+            </a:lvl5pPr>
+            <a:lvl6pPr marL="2514600" indent="-228600" algn="l" rtl="0" eaLnBrk="1" fontAlgn="base" hangingPunct="1">
+              <a:spcBef>
+                <a:spcPct val="20000"/>
+              </a:spcBef>
+              <a:spcAft>
+                <a:spcPct val="0"/>
+              </a:spcAft>
+              <a:buClr>
+                <a:srgbClr val="3374D4"/>
+              </a:buClr>
+              <a:buFont typeface="Arial" pitchFamily="34" charset="0"/>
+              <a:buChar char="•"/>
+              <a:defRPr sz="1800" baseline="0">
+                <a:solidFill>
+                  <a:schemeClr val="tx1"/>
+                </a:solidFill>
+                <a:latin typeface="+mn-lt"/>
+              </a:defRPr>
+            </a:lvl6pPr>
+            <a:lvl7pPr marL="2971800" indent="-228600" algn="l" rtl="0" eaLnBrk="1" fontAlgn="base" hangingPunct="1">
+              <a:spcBef>
+                <a:spcPct val="20000"/>
+              </a:spcBef>
+              <a:spcAft>
+                <a:spcPct val="0"/>
+              </a:spcAft>
+              <a:buClr>
+                <a:srgbClr val="3374D4"/>
+              </a:buClr>
+              <a:buFont typeface="Arial" pitchFamily="34" charset="0"/>
+              <a:buChar char="•"/>
+              <a:defRPr sz="1800" baseline="0">
+                <a:solidFill>
+                  <a:schemeClr val="tx1"/>
+                </a:solidFill>
+                <a:latin typeface="+mn-lt"/>
+              </a:defRPr>
+            </a:lvl7pPr>
+            <a:lvl8pPr marL="3429000" indent="-228600" algn="l" rtl="0" eaLnBrk="1" fontAlgn="base" hangingPunct="1">
+              <a:spcBef>
+                <a:spcPct val="20000"/>
+              </a:spcBef>
+              <a:spcAft>
+                <a:spcPct val="0"/>
+              </a:spcAft>
+              <a:buNone/>
+              <a:defRPr sz="1800" baseline="0">
+                <a:solidFill>
+                  <a:schemeClr val="tx1"/>
+                </a:solidFill>
+                <a:latin typeface="+mn-lt"/>
+              </a:defRPr>
+            </a:lvl8pPr>
+            <a:lvl9pPr marL="3886200" indent="-228600" algn="l" rtl="0" eaLnBrk="1" fontAlgn="base" hangingPunct="1">
+              <a:spcBef>
+                <a:spcPct val="20000"/>
+              </a:spcBef>
+              <a:spcAft>
+                <a:spcPct val="0"/>
+              </a:spcAft>
+              <a:buNone/>
+              <a:defRPr sz="2000" baseline="0">
+                <a:solidFill>
+                  <a:schemeClr val="tx1"/>
+                </a:solidFill>
+                <a:latin typeface="Arial" charset="0"/>
+              </a:defRPr>
+            </a:lvl9pPr>
+          </a:lstStyle>
+          <a:p>
+            <a:r>
+              <a:rPr lang="en-GB" kern="0" dirty="0"/>
+              <a:t>Day 1</a:t>
+            </a:r>
+          </a:p>
+        </p:txBody>
+      </p:sp>
+      <p:sp>
+        <p:nvSpPr>
+          <p:cNvPr id="9" name="TextBox 8">
+            <a:extLst>
+              <a:ext uri="{FF2B5EF4-FFF2-40B4-BE49-F238E27FC236}">
+                <a16:creationId xmlns:a16="http://schemas.microsoft.com/office/drawing/2014/main" id="{3B330464-2CBE-4D1E-A602-A3F54DDF9FC0}"/>
+              </a:ext>
+            </a:extLst>
+          </p:cNvPr>
+          <p:cNvSpPr txBox="1"/>
+          <p:nvPr/>
+        </p:nvSpPr>
+        <p:spPr>
+          <a:xfrm>
+            <a:off x="179512" y="1059582"/>
+            <a:ext cx="5904656" cy="2062103"/>
+          </a:xfrm>
+          <a:prstGeom prst="rect">
+            <a:avLst/>
+          </a:prstGeom>
+          <a:noFill/>
+        </p:spPr>
+        <p:txBody>
+          <a:bodyPr wrap="square" rtlCol="0">
+            <a:spAutoFit/>
+          </a:bodyPr>
+          <a:lstStyle/>
+          <a:p>
+            <a:r>
+              <a:rPr lang="en-GB" dirty="0">
+                <a:solidFill>
+                  <a:schemeClr val="tx2"/>
+                </a:solidFill>
+                <a:latin typeface="Arial"/>
+                <a:cs typeface="Arial"/>
+              </a:rPr>
+              <a:t>9:00</a:t>
+            </a:r>
+            <a:r>
+              <a:rPr lang="en-GB" dirty="0">
+                <a:latin typeface="Arial"/>
+                <a:cs typeface="Arial"/>
+              </a:rPr>
+              <a:t>  Welcome and introductions</a:t>
+            </a:r>
+          </a:p>
+          <a:p>
+            <a:r>
+              <a:rPr lang="en-GB" dirty="0">
+                <a:solidFill>
+                  <a:schemeClr val="tx2"/>
+                </a:solidFill>
+                <a:latin typeface="Arial"/>
+                <a:cs typeface="Arial"/>
+              </a:rPr>
+              <a:t>9:10</a:t>
+            </a:r>
+            <a:r>
+              <a:rPr lang="en-GB" dirty="0">
+                <a:latin typeface="Arial"/>
+                <a:cs typeface="Arial"/>
+              </a:rPr>
+              <a:t>  Methodologies overview</a:t>
+            </a:r>
+          </a:p>
+          <a:p>
+            <a:r>
+              <a:rPr lang="en-GB" dirty="0">
+                <a:solidFill>
+                  <a:schemeClr val="tx2"/>
+                </a:solidFill>
+                <a:latin typeface="Arial"/>
+                <a:cs typeface="Arial"/>
+              </a:rPr>
+              <a:t>9:15</a:t>
+            </a:r>
+            <a:r>
+              <a:rPr lang="en-GB" dirty="0">
+                <a:latin typeface="Arial"/>
+                <a:cs typeface="Arial"/>
+              </a:rPr>
+              <a:t>  The Software Development Life-Cycle brainstorming</a:t>
+            </a:r>
+          </a:p>
+          <a:p>
+            <a:r>
+              <a:rPr lang="en-GB" dirty="0">
+                <a:solidFill>
+                  <a:schemeClr val="tx2"/>
+                </a:solidFill>
+                <a:latin typeface="Arial"/>
+                <a:cs typeface="Arial"/>
+              </a:rPr>
+              <a:t>10:30</a:t>
+            </a:r>
+            <a:r>
+              <a:rPr lang="en-GB" dirty="0">
+                <a:latin typeface="Arial"/>
+                <a:cs typeface="Arial"/>
+              </a:rPr>
+              <a:t> Tea/coffee</a:t>
+            </a:r>
+          </a:p>
+          <a:p>
+            <a:r>
+              <a:rPr lang="en-GB" dirty="0">
+                <a:solidFill>
+                  <a:schemeClr val="tx2"/>
+                </a:solidFill>
+                <a:latin typeface="Arial"/>
+                <a:cs typeface="Arial"/>
+              </a:rPr>
+              <a:t>10:45</a:t>
+            </a:r>
+            <a:r>
+              <a:rPr lang="en-GB" dirty="0">
+                <a:latin typeface="Arial"/>
+                <a:cs typeface="Arial"/>
+              </a:rPr>
+              <a:t> The Software Development Life-Cycle in detail</a:t>
+            </a:r>
+          </a:p>
+          <a:p>
+            <a:r>
+              <a:rPr lang="en-GB" dirty="0">
+                <a:solidFill>
+                  <a:schemeClr val="tx2"/>
+                </a:solidFill>
+                <a:latin typeface="Arial"/>
+                <a:cs typeface="Arial"/>
+              </a:rPr>
+              <a:t>11:15</a:t>
+            </a:r>
+            <a:r>
+              <a:rPr lang="en-GB" dirty="0">
+                <a:latin typeface="Arial"/>
+                <a:cs typeface="Arial"/>
+              </a:rPr>
+              <a:t> Quiz!</a:t>
+            </a:r>
+          </a:p>
+          <a:p>
+            <a:r>
+              <a:rPr lang="en-GB" dirty="0">
+                <a:solidFill>
+                  <a:schemeClr val="tx2"/>
+                </a:solidFill>
+                <a:latin typeface="Arial"/>
+                <a:cs typeface="Arial"/>
+              </a:rPr>
+              <a:t>12:00</a:t>
+            </a:r>
+            <a:r>
+              <a:rPr lang="en-GB" dirty="0">
+                <a:latin typeface="Arial"/>
+                <a:cs typeface="Arial"/>
+              </a:rPr>
+              <a:t> Lunch</a:t>
+            </a:r>
+          </a:p>
+          <a:p>
+            <a:endParaRPr lang="en-GB" dirty="0">
+              <a:latin typeface="Arial"/>
+              <a:cs typeface="Arial"/>
+            </a:endParaRPr>
+          </a:p>
+        </p:txBody>
+      </p:sp>
+    </p:spTree>
+    <p:extLst>
+      <p:ext uri="{BB962C8B-B14F-4D97-AF65-F5344CB8AC3E}">
+        <p14:creationId xmlns:p14="http://schemas.microsoft.com/office/powerpoint/2010/main" val="869052085"/>
+      </p:ext>
+    </p:extLst>
+  </p:cSld>
+  <p:clrMapOvr>
+    <a:masterClrMapping/>
+  </p:clrMapOvr>
+  <p:transition>
+    <p:wipe dir="r"/>
+  </p:transition>
+</p:sld>
+</file>
+
+<file path=ppt/slides/slide3.xml><?xml version="1.0" encoding="utf-8"?>
+<p:sld xmlns:a="http://schemas.openxmlformats.org/drawingml/2006/main" xmlns:r="http://schemas.openxmlformats.org/officeDocument/2006/relationships" xmlns:p="http://schemas.openxmlformats.org/presentationml/2006/main">
+  <p:cSld>
+    <p:spTree>
+      <p:nvGrpSpPr>
+        <p:cNvPr id="1" name=""/>
+        <p:cNvGrpSpPr/>
+        <p:nvPr/>
+      </p:nvGrpSpPr>
+      <p:grpSpPr>
+        <a:xfrm>
+          <a:off x="0" y="0"/>
+          <a:ext cx="0" cy="0"/>
+          <a:chOff x="0" y="0"/>
+          <a:chExt cx="0" cy="0"/>
+        </a:xfrm>
+      </p:grpSpPr>
+      <p:sp>
+        <p:nvSpPr>
+          <p:cNvPr id="2" name="Title 1"/>
+          <p:cNvSpPr>
+            <a:spLocks noGrp="1"/>
+          </p:cNvSpPr>
+          <p:nvPr>
+            <p:ph type="ctrTitle"/>
+          </p:nvPr>
+        </p:nvSpPr>
+        <p:spPr/>
+        <p:txBody>
+          <a:bodyPr/>
+          <a:lstStyle/>
+          <a:p>
+            <a:r>
+              <a:rPr lang="en-US" sz="2400" dirty="0"/>
+              <a:t>Software Methodologies Fundamentals</a:t>
+            </a:r>
+          </a:p>
+        </p:txBody>
+      </p:sp>
+      <p:sp>
+        <p:nvSpPr>
+          <p:cNvPr id="3" name="Subtitle 2"/>
+          <p:cNvSpPr>
+            <a:spLocks noGrp="1"/>
+          </p:cNvSpPr>
+          <p:nvPr>
+            <p:ph type="subTitle" idx="1"/>
+          </p:nvPr>
+        </p:nvSpPr>
+        <p:spPr>
+          <a:xfrm>
+            <a:off x="0" y="2896344"/>
+            <a:ext cx="9144000" cy="971550"/>
+          </a:xfrm>
+        </p:spPr>
+        <p:txBody>
+          <a:bodyPr/>
+          <a:lstStyle/>
+          <a:p>
+            <a:r>
+              <a:rPr lang="en-GB" dirty="0"/>
+              <a:t>The Software Development Life Cycle</a:t>
+            </a:r>
+            <a:endParaRPr lang="en-US" dirty="0"/>
+          </a:p>
+        </p:txBody>
+      </p:sp>
+    </p:spTree>
+    <p:extLst>
+      <p:ext uri="{BB962C8B-B14F-4D97-AF65-F5344CB8AC3E}">
+        <p14:creationId xmlns:p14="http://schemas.microsoft.com/office/powerpoint/2010/main" val="2012875930"/>
+      </p:ext>
+    </p:extLst>
+  </p:cSld>
+  <p:clrMapOvr>
+    <a:masterClrMapping/>
+  </p:clrMapOvr>
+  <p:transition>
+    <p:wipe dir="r"/>
+  </p:transition>
+</p:sld>
+</file>
+
+<file path=ppt/slides/slide4.xml><?xml version="1.0" encoding="utf-8"?>
+<p:sld xmlns:a="http://schemas.openxmlformats.org/drawingml/2006/main" xmlns:r="http://schemas.openxmlformats.org/officeDocument/2006/relationships" xmlns:p="http://schemas.openxmlformats.org/presentationml/2006/main">
+  <p:cSld>
+    <p:spTree>
+      <p:nvGrpSpPr>
+        <p:cNvPr id="1" name=""/>
+        <p:cNvGrpSpPr/>
+        <p:nvPr/>
+      </p:nvGrpSpPr>
+      <p:grpSpPr>
+        <a:xfrm>
+          <a:off x="0" y="0"/>
+          <a:ext cx="0" cy="0"/>
+          <a:chOff x="0" y="0"/>
+          <a:chExt cx="0" cy="0"/>
+        </a:xfrm>
+      </p:grpSpPr>
+      <p:sp>
+        <p:nvSpPr>
           <p:cNvPr id="2" name="Text Placeholder 1"/>
           <p:cNvSpPr>
             <a:spLocks noGrp="1"/>
@@ -6594,7 +7880,7 @@
 </p:sld>
 </file>
 
-<file path=ppt/slides/slide3.xml><?xml version="1.0" encoding="utf-8"?>
+<file path=ppt/slides/slide5.xml><?xml version="1.0" encoding="utf-8"?>
 <p:sld xmlns:a="http://schemas.openxmlformats.org/drawingml/2006/main" xmlns:r="http://schemas.openxmlformats.org/officeDocument/2006/relationships" xmlns:p="http://schemas.openxmlformats.org/presentationml/2006/main">
   <p:cSld>
     <p:spTree>
@@ -6663,7 +7949,7 @@
 </p:sld>
 </file>
 
-<file path=ppt/slides/slide4.xml><?xml version="1.0" encoding="utf-8"?>
+<file path=ppt/slides/slide6.xml><?xml version="1.0" encoding="utf-8"?>
 <p:sld xmlns:a="http://schemas.openxmlformats.org/drawingml/2006/main" xmlns:r="http://schemas.openxmlformats.org/officeDocument/2006/relationships" xmlns:p="http://schemas.openxmlformats.org/presentationml/2006/main">
   <p:cSld>
     <p:spTree>
@@ -6938,7 +8224,7 @@
 </p:sld>
 </file>
 
-<file path=ppt/slides/slide5.xml><?xml version="1.0" encoding="utf-8"?>
+<file path=ppt/slides/slide7.xml><?xml version="1.0" encoding="utf-8"?>
 <p:sld xmlns:a="http://schemas.openxmlformats.org/drawingml/2006/main" xmlns:r="http://schemas.openxmlformats.org/officeDocument/2006/relationships" xmlns:p="http://schemas.openxmlformats.org/presentationml/2006/main">
   <p:cSld>
     <p:spTree>
@@ -7630,7 +8916,7 @@
 </p:sld>
 </file>
 
-<file path=ppt/slides/slide6.xml><?xml version="1.0" encoding="utf-8"?>
+<file path=ppt/slides/slide8.xml><?xml version="1.0" encoding="utf-8"?>
 <p:sld xmlns:a="http://schemas.openxmlformats.org/drawingml/2006/main" xmlns:r="http://schemas.openxmlformats.org/officeDocument/2006/relationships" xmlns:p="http://schemas.openxmlformats.org/presentationml/2006/main">
   <p:cSld>
     <p:spTree>
@@ -7698,6 +8984,9 @@
               <a:rPr lang="en-GB" dirty="0"/>
               <a:t>Does the business case add up?</a:t>
             </a:r>
+          </a:p>
+          <a:p>
+            <a:endParaRPr lang="en-GB" dirty="0"/>
           </a:p>
           <a:p>
             <a:pPr marL="0" indent="0">
@@ -8069,7 +9358,7 @@
 </p:sld>
 </file>
 
-<file path=ppt/slides/slide7.xml><?xml version="1.0" encoding="utf-8"?>
+<file path=ppt/slides/slide9.xml><?xml version="1.0" encoding="utf-8"?>
 <p:sld xmlns:a="http://schemas.openxmlformats.org/drawingml/2006/main" xmlns:r="http://schemas.openxmlformats.org/officeDocument/2006/relationships" xmlns:p="http://schemas.openxmlformats.org/presentationml/2006/main">
   <p:cSld>
     <p:spTree>
@@ -8121,6 +9410,12 @@
             </a:r>
           </a:p>
           <a:p>
+            <a:r>
+              <a:rPr lang="en-GB" dirty="0"/>
+              <a:t>Non-functional requirements must also be considered and specified.</a:t>
+            </a:r>
+          </a:p>
+          <a:p>
             <a:pPr marL="0" indent="0">
               <a:buNone/>
             </a:pPr>
@@ -8169,365 +9464,6 @@
     <p:extLst>
       <p:ext uri="{BB962C8B-B14F-4D97-AF65-F5344CB8AC3E}">
         <p14:creationId xmlns:p14="http://schemas.microsoft.com/office/powerpoint/2010/main" val="253685480"/>
-      </p:ext>
-    </p:extLst>
-  </p:cSld>
-  <p:clrMapOvr>
-    <a:masterClrMapping/>
-  </p:clrMapOvr>
-  <p:transition>
-    <p:wipe dir="r"/>
-  </p:transition>
-  <p:timing>
-    <p:tnLst>
-      <p:par>
-        <p:cTn id="1" dur="indefinite" restart="never" nodeType="tmRoot">
-          <p:childTnLst>
-            <p:seq concurrent="1" nextAc="seek">
-              <p:cTn id="2" dur="indefinite" nodeType="mainSeq">
-                <p:childTnLst>
-                  <p:par>
-                    <p:cTn id="3" fill="hold">
-                      <p:stCondLst>
-                        <p:cond delay="indefinite"/>
-                      </p:stCondLst>
-                      <p:childTnLst>
-                        <p:par>
-                          <p:cTn id="4" fill="hold">
-                            <p:stCondLst>
-                              <p:cond delay="0"/>
-                            </p:stCondLst>
-                            <p:childTnLst>
-                              <p:par>
-                                <p:cTn id="5" presetID="1" presetClass="entr" presetSubtype="0" fill="hold" nodeType="clickEffect">
-                                  <p:stCondLst>
-                                    <p:cond delay="0"/>
-                                  </p:stCondLst>
-                                  <p:childTnLst>
-                                    <p:set>
-                                      <p:cBhvr>
-                                        <p:cTn id="6" dur="1" fill="hold">
-                                          <p:stCondLst>
-                                            <p:cond delay="0"/>
-                                          </p:stCondLst>
-                                        </p:cTn>
-                                        <p:tgtEl>
-                                          <p:spTgt spid="2">
-                                            <p:txEl>
-                                              <p:pRg st="0" end="0"/>
-                                            </p:txEl>
-                                          </p:spTgt>
-                                        </p:tgtEl>
-                                        <p:attrNameLst>
-                                          <p:attrName>style.visibility</p:attrName>
-                                        </p:attrNameLst>
-                                      </p:cBhvr>
-                                      <p:to>
-                                        <p:strVal val="visible"/>
-                                      </p:to>
-                                    </p:set>
-                                  </p:childTnLst>
-                                </p:cTn>
-                              </p:par>
-                            </p:childTnLst>
-                          </p:cTn>
-                        </p:par>
-                      </p:childTnLst>
-                    </p:cTn>
-                  </p:par>
-                  <p:par>
-                    <p:cTn id="7" fill="hold">
-                      <p:stCondLst>
-                        <p:cond delay="indefinite"/>
-                      </p:stCondLst>
-                      <p:childTnLst>
-                        <p:par>
-                          <p:cTn id="8" fill="hold">
-                            <p:stCondLst>
-                              <p:cond delay="0"/>
-                            </p:stCondLst>
-                            <p:childTnLst>
-                              <p:par>
-                                <p:cTn id="9" presetID="1" presetClass="entr" presetSubtype="0" fill="hold" nodeType="clickEffect">
-                                  <p:stCondLst>
-                                    <p:cond delay="0"/>
-                                  </p:stCondLst>
-                                  <p:childTnLst>
-                                    <p:set>
-                                      <p:cBhvr>
-                                        <p:cTn id="10" dur="1" fill="hold">
-                                          <p:stCondLst>
-                                            <p:cond delay="0"/>
-                                          </p:stCondLst>
-                                        </p:cTn>
-                                        <p:tgtEl>
-                                          <p:spTgt spid="2">
-                                            <p:txEl>
-                                              <p:pRg st="1" end="1"/>
-                                            </p:txEl>
-                                          </p:spTgt>
-                                        </p:tgtEl>
-                                        <p:attrNameLst>
-                                          <p:attrName>style.visibility</p:attrName>
-                                        </p:attrNameLst>
-                                      </p:cBhvr>
-                                      <p:to>
-                                        <p:strVal val="visible"/>
-                                      </p:to>
-                                    </p:set>
-                                  </p:childTnLst>
-                                </p:cTn>
-                              </p:par>
-                            </p:childTnLst>
-                          </p:cTn>
-                        </p:par>
-                      </p:childTnLst>
-                    </p:cTn>
-                  </p:par>
-                  <p:par>
-                    <p:cTn id="11" fill="hold">
-                      <p:stCondLst>
-                        <p:cond delay="indefinite"/>
-                      </p:stCondLst>
-                      <p:childTnLst>
-                        <p:par>
-                          <p:cTn id="12" fill="hold">
-                            <p:stCondLst>
-                              <p:cond delay="0"/>
-                            </p:stCondLst>
-                            <p:childTnLst>
-                              <p:par>
-                                <p:cTn id="13" presetID="1" presetClass="entr" presetSubtype="0" fill="hold" nodeType="clickEffect">
-                                  <p:stCondLst>
-                                    <p:cond delay="0"/>
-                                  </p:stCondLst>
-                                  <p:childTnLst>
-                                    <p:set>
-                                      <p:cBhvr>
-                                        <p:cTn id="14" dur="1" fill="hold">
-                                          <p:stCondLst>
-                                            <p:cond delay="0"/>
-                                          </p:stCondLst>
-                                        </p:cTn>
-                                        <p:tgtEl>
-                                          <p:spTgt spid="2">
-                                            <p:txEl>
-                                              <p:pRg st="2" end="2"/>
-                                            </p:txEl>
-                                          </p:spTgt>
-                                        </p:tgtEl>
-                                        <p:attrNameLst>
-                                          <p:attrName>style.visibility</p:attrName>
-                                        </p:attrNameLst>
-                                      </p:cBhvr>
-                                      <p:to>
-                                        <p:strVal val="visible"/>
-                                      </p:to>
-                                    </p:set>
-                                  </p:childTnLst>
-                                </p:cTn>
-                              </p:par>
-                            </p:childTnLst>
-                          </p:cTn>
-                        </p:par>
-                      </p:childTnLst>
-                    </p:cTn>
-                  </p:par>
-                  <p:par>
-                    <p:cTn id="15" fill="hold">
-                      <p:stCondLst>
-                        <p:cond delay="indefinite"/>
-                      </p:stCondLst>
-                      <p:childTnLst>
-                        <p:par>
-                          <p:cTn id="16" fill="hold">
-                            <p:stCondLst>
-                              <p:cond delay="0"/>
-                            </p:stCondLst>
-                            <p:childTnLst>
-                              <p:par>
-                                <p:cTn id="17" presetID="1" presetClass="entr" presetSubtype="0" fill="hold" nodeType="clickEffect">
-                                  <p:stCondLst>
-                                    <p:cond delay="0"/>
-                                  </p:stCondLst>
-                                  <p:childTnLst>
-                                    <p:set>
-                                      <p:cBhvr>
-                                        <p:cTn id="18" dur="1" fill="hold">
-                                          <p:stCondLst>
-                                            <p:cond delay="0"/>
-                                          </p:stCondLst>
-                                        </p:cTn>
-                                        <p:tgtEl>
-                                          <p:spTgt spid="2">
-                                            <p:txEl>
-                                              <p:pRg st="4" end="4"/>
-                                            </p:txEl>
-                                          </p:spTgt>
-                                        </p:tgtEl>
-                                        <p:attrNameLst>
-                                          <p:attrName>style.visibility</p:attrName>
-                                        </p:attrNameLst>
-                                      </p:cBhvr>
-                                      <p:to>
-                                        <p:strVal val="visible"/>
-                                      </p:to>
-                                    </p:set>
-                                  </p:childTnLst>
-                                </p:cTn>
-                              </p:par>
-                            </p:childTnLst>
-                          </p:cTn>
-                        </p:par>
-                      </p:childTnLst>
-                    </p:cTn>
-                  </p:par>
-                </p:childTnLst>
-              </p:cTn>
-              <p:prevCondLst>
-                <p:cond evt="onPrev" delay="0">
-                  <p:tgtEl>
-                    <p:sldTgt/>
-                  </p:tgtEl>
-                </p:cond>
-              </p:prevCondLst>
-              <p:nextCondLst>
-                <p:cond evt="onNext" delay="0">
-                  <p:tgtEl>
-                    <p:sldTgt/>
-                  </p:tgtEl>
-                </p:cond>
-              </p:nextCondLst>
-            </p:seq>
-          </p:childTnLst>
-        </p:cTn>
-      </p:par>
-    </p:tnLst>
-  </p:timing>
-</p:sld>
-</file>
-
-<file path=ppt/slides/slide8.xml><?xml version="1.0" encoding="utf-8"?>
-<p:sld xmlns:a="http://schemas.openxmlformats.org/drawingml/2006/main" xmlns:r="http://schemas.openxmlformats.org/officeDocument/2006/relationships" xmlns:p="http://schemas.openxmlformats.org/presentationml/2006/main">
-  <p:cSld>
-    <p:spTree>
-      <p:nvGrpSpPr>
-        <p:cNvPr id="1" name=""/>
-        <p:cNvGrpSpPr/>
-        <p:nvPr/>
-      </p:nvGrpSpPr>
-      <p:grpSpPr>
-        <a:xfrm>
-          <a:off x="0" y="0"/>
-          <a:ext cx="0" cy="0"/>
-          <a:chOff x="0" y="0"/>
-          <a:chExt cx="0" cy="0"/>
-        </a:xfrm>
-      </p:grpSpPr>
-      <p:sp>
-        <p:nvSpPr>
-          <p:cNvPr id="2" name="Content Placeholder 1"/>
-          <p:cNvSpPr>
-            <a:spLocks noGrp="1"/>
-          </p:cNvSpPr>
-          <p:nvPr>
-            <p:ph idx="1"/>
-          </p:nvPr>
-        </p:nvSpPr>
-        <p:spPr/>
-        <p:txBody>
-          <a:bodyPr>
-            <a:normAutofit/>
-          </a:bodyPr>
-          <a:lstStyle/>
-          <a:p>
-            <a:r>
-              <a:rPr lang="en-GB" dirty="0"/>
-              <a:t>Alternative solutions that meet the requirements are considered.</a:t>
-            </a:r>
-          </a:p>
-          <a:p>
-            <a:r>
-              <a:rPr lang="en-GB" dirty="0"/>
-              <a:t>The chosen design is elaborated and documented in a way that’s accessible to the development team.</a:t>
-            </a:r>
-          </a:p>
-          <a:p>
-            <a:r>
-              <a:rPr lang="en-GB" dirty="0"/>
-              <a:t>The technologies, patterns and components needed to implement the design are specified. Development tools and environment may also be suggested.</a:t>
-            </a:r>
-          </a:p>
-          <a:p>
-            <a:r>
-              <a:rPr lang="en-GB" dirty="0"/>
-              <a:t>May include prototyping and UX research.</a:t>
-            </a:r>
-          </a:p>
-          <a:p>
-            <a:pPr marL="0" indent="0">
-              <a:buNone/>
-            </a:pPr>
-            <a:endParaRPr lang="en-GB" dirty="0"/>
-          </a:p>
-          <a:p>
-            <a:endParaRPr lang="en-GB" dirty="0"/>
-          </a:p>
-          <a:p>
-            <a:pPr marL="0" indent="0">
-              <a:buNone/>
-            </a:pPr>
-            <a:r>
-              <a:rPr lang="en-GB" dirty="0"/>
-              <a:t>The design process is led by the software architect with input from various other stakeholders.</a:t>
-            </a:r>
-          </a:p>
-          <a:p>
-            <a:pPr marL="0" indent="0">
-              <a:buNone/>
-            </a:pPr>
-            <a:endParaRPr lang="en-GB" dirty="0"/>
-          </a:p>
-          <a:p>
-            <a:pPr marL="0" indent="0">
-              <a:buNone/>
-            </a:pPr>
-            <a:endParaRPr lang="en-GB" dirty="0"/>
-          </a:p>
-          <a:p>
-            <a:pPr marL="0" indent="0">
-              <a:buNone/>
-            </a:pPr>
-            <a:endParaRPr lang="en-GB" dirty="0"/>
-          </a:p>
-        </p:txBody>
-      </p:sp>
-      <p:sp>
-        <p:nvSpPr>
-          <p:cNvPr id="3" name="Title 2"/>
-          <p:cNvSpPr>
-            <a:spLocks noGrp="1"/>
-          </p:cNvSpPr>
-          <p:nvPr>
-            <p:ph type="title"/>
-          </p:nvPr>
-        </p:nvSpPr>
-        <p:spPr/>
-        <p:txBody>
-          <a:bodyPr/>
-          <a:lstStyle/>
-          <a:p>
-            <a:r>
-              <a:rPr lang="en-US" dirty="0"/>
-              <a:t>Stage 3: Design</a:t>
-            </a:r>
-          </a:p>
-        </p:txBody>
-      </p:sp>
-    </p:spTree>
-    <p:extLst>
-      <p:ext uri="{BB962C8B-B14F-4D97-AF65-F5344CB8AC3E}">
-        <p14:creationId xmlns:p14="http://schemas.microsoft.com/office/powerpoint/2010/main" val="2527282371"/>
       </p:ext>
     </p:extLst>
   </p:cSld>
@@ -8769,296 +9705,7 @@
                                         <p:tgtEl>
                                           <p:spTgt spid="2">
                                             <p:txEl>
-                                              <p:pRg st="6" end="6"/>
-                                            </p:txEl>
-                                          </p:spTgt>
-                                        </p:tgtEl>
-                                        <p:attrNameLst>
-                                          <p:attrName>style.visibility</p:attrName>
-                                        </p:attrNameLst>
-                                      </p:cBhvr>
-                                      <p:to>
-                                        <p:strVal val="visible"/>
-                                      </p:to>
-                                    </p:set>
-                                  </p:childTnLst>
-                                </p:cTn>
-                              </p:par>
-                            </p:childTnLst>
-                          </p:cTn>
-                        </p:par>
-                      </p:childTnLst>
-                    </p:cTn>
-                  </p:par>
-                </p:childTnLst>
-              </p:cTn>
-              <p:prevCondLst>
-                <p:cond evt="onPrev" delay="0">
-                  <p:tgtEl>
-                    <p:sldTgt/>
-                  </p:tgtEl>
-                </p:cond>
-              </p:prevCondLst>
-              <p:nextCondLst>
-                <p:cond evt="onNext" delay="0">
-                  <p:tgtEl>
-                    <p:sldTgt/>
-                  </p:tgtEl>
-                </p:cond>
-              </p:nextCondLst>
-            </p:seq>
-          </p:childTnLst>
-        </p:cTn>
-      </p:par>
-    </p:tnLst>
-  </p:timing>
-</p:sld>
-</file>
-
-<file path=ppt/slides/slide9.xml><?xml version="1.0" encoding="utf-8"?>
-<p:sld xmlns:a="http://schemas.openxmlformats.org/drawingml/2006/main" xmlns:r="http://schemas.openxmlformats.org/officeDocument/2006/relationships" xmlns:p="http://schemas.openxmlformats.org/presentationml/2006/main">
-  <p:cSld>
-    <p:spTree>
-      <p:nvGrpSpPr>
-        <p:cNvPr id="1" name=""/>
-        <p:cNvGrpSpPr/>
-        <p:nvPr/>
-      </p:nvGrpSpPr>
-      <p:grpSpPr>
-        <a:xfrm>
-          <a:off x="0" y="0"/>
-          <a:ext cx="0" cy="0"/>
-          <a:chOff x="0" y="0"/>
-          <a:chExt cx="0" cy="0"/>
-        </a:xfrm>
-      </p:grpSpPr>
-      <p:sp>
-        <p:nvSpPr>
-          <p:cNvPr id="2" name="Content Placeholder 1"/>
-          <p:cNvSpPr>
-            <a:spLocks noGrp="1"/>
-          </p:cNvSpPr>
-          <p:nvPr>
-            <p:ph idx="1"/>
-          </p:nvPr>
-        </p:nvSpPr>
-        <p:spPr/>
-        <p:txBody>
-          <a:bodyPr>
-            <a:normAutofit/>
-          </a:bodyPr>
-          <a:lstStyle/>
-          <a:p>
-            <a:r>
-              <a:rPr lang="en-GB" dirty="0"/>
-              <a:t>The detailed design and product requirements are used to guide the implementation of the software.</a:t>
-            </a:r>
-          </a:p>
-          <a:p>
-            <a:r>
-              <a:rPr lang="en-GB" dirty="0"/>
-              <a:t>Developers should also adhere to any coding standards and quality processes defined by their organisation.</a:t>
-            </a:r>
-          </a:p>
-          <a:p>
-            <a:pPr marL="0" indent="0">
-              <a:buNone/>
-            </a:pPr>
-            <a:endParaRPr lang="en-GB" dirty="0"/>
-          </a:p>
-          <a:p>
-            <a:pPr marL="0" indent="0">
-              <a:buNone/>
-            </a:pPr>
-            <a:endParaRPr lang="en-GB" dirty="0"/>
-          </a:p>
-          <a:p>
-            <a:pPr marL="0" indent="0">
-              <a:buNone/>
-            </a:pPr>
-            <a:r>
-              <a:rPr lang="en-GB" dirty="0"/>
-              <a:t>This work is performed by Software Engineers.</a:t>
-            </a:r>
-          </a:p>
-          <a:p>
-            <a:pPr marL="0" indent="0">
-              <a:buNone/>
-            </a:pPr>
-            <a:endParaRPr lang="en-GB" dirty="0"/>
-          </a:p>
-        </p:txBody>
-      </p:sp>
-      <p:sp>
-        <p:nvSpPr>
-          <p:cNvPr id="3" name="Title 2"/>
-          <p:cNvSpPr>
-            <a:spLocks noGrp="1"/>
-          </p:cNvSpPr>
-          <p:nvPr>
-            <p:ph type="title"/>
-          </p:nvPr>
-        </p:nvSpPr>
-        <p:spPr/>
-        <p:txBody>
-          <a:bodyPr/>
-          <a:lstStyle/>
-          <a:p>
-            <a:r>
-              <a:rPr lang="en-US" dirty="0"/>
-              <a:t>Stage 4: Development</a:t>
-            </a:r>
-          </a:p>
-        </p:txBody>
-      </p:sp>
-    </p:spTree>
-    <p:extLst>
-      <p:ext uri="{BB962C8B-B14F-4D97-AF65-F5344CB8AC3E}">
-        <p14:creationId xmlns:p14="http://schemas.microsoft.com/office/powerpoint/2010/main" val="2724617525"/>
-      </p:ext>
-    </p:extLst>
-  </p:cSld>
-  <p:clrMapOvr>
-    <a:masterClrMapping/>
-  </p:clrMapOvr>
-  <p:transition>
-    <p:wipe dir="r"/>
-  </p:transition>
-  <p:timing>
-    <p:tnLst>
-      <p:par>
-        <p:cTn id="1" dur="indefinite" restart="never" nodeType="tmRoot">
-          <p:childTnLst>
-            <p:seq concurrent="1" nextAc="seek">
-              <p:cTn id="2" dur="indefinite" nodeType="mainSeq">
-                <p:childTnLst>
-                  <p:par>
-                    <p:cTn id="3" fill="hold">
-                      <p:stCondLst>
-                        <p:cond delay="indefinite"/>
-                      </p:stCondLst>
-                      <p:childTnLst>
-                        <p:par>
-                          <p:cTn id="4" fill="hold">
-                            <p:stCondLst>
-                              <p:cond delay="0"/>
-                            </p:stCondLst>
-                            <p:childTnLst>
-                              <p:par>
-                                <p:cTn id="5" presetID="1" presetClass="entr" presetSubtype="0" fill="hold" nodeType="clickEffect">
-                                  <p:stCondLst>
-                                    <p:cond delay="0"/>
-                                  </p:stCondLst>
-                                  <p:childTnLst>
-                                    <p:set>
-                                      <p:cBhvr>
-                                        <p:cTn id="6" dur="1" fill="hold">
-                                          <p:stCondLst>
-                                            <p:cond delay="0"/>
-                                          </p:stCondLst>
-                                        </p:cTn>
-                                        <p:tgtEl>
-                                          <p:spTgt spid="2">
-                                            <p:txEl>
-                                              <p:pRg st="0" end="0"/>
-                                            </p:txEl>
-                                          </p:spTgt>
-                                        </p:tgtEl>
-                                        <p:attrNameLst>
-                                          <p:attrName>style.visibility</p:attrName>
-                                        </p:attrNameLst>
-                                      </p:cBhvr>
-                                      <p:to>
-                                        <p:strVal val="visible"/>
-                                      </p:to>
-                                    </p:set>
-                                  </p:childTnLst>
-                                </p:cTn>
-                              </p:par>
-                            </p:childTnLst>
-                          </p:cTn>
-                        </p:par>
-                      </p:childTnLst>
-                    </p:cTn>
-                  </p:par>
-                  <p:par>
-                    <p:cTn id="7" fill="hold">
-                      <p:stCondLst>
-                        <p:cond delay="indefinite"/>
-                      </p:stCondLst>
-                      <p:childTnLst>
-                        <p:par>
-                          <p:cTn id="8" fill="hold">
-                            <p:stCondLst>
-                              <p:cond delay="0"/>
-                            </p:stCondLst>
-                            <p:childTnLst>
-                              <p:par>
-                                <p:cTn id="9" presetID="1" presetClass="entr" presetSubtype="0" fill="hold" nodeType="clickEffect">
-                                  <p:stCondLst>
-                                    <p:cond delay="0"/>
-                                  </p:stCondLst>
-                                  <p:childTnLst>
-                                    <p:set>
-                                      <p:cBhvr>
-                                        <p:cTn id="10" dur="1" fill="hold">
-                                          <p:stCondLst>
-                                            <p:cond delay="0"/>
-                                          </p:stCondLst>
-                                        </p:cTn>
-                                        <p:tgtEl>
-                                          <p:spTgt spid="2">
-                                            <p:txEl>
-                                              <p:pRg st="1" end="1"/>
-                                            </p:txEl>
-                                          </p:spTgt>
-                                        </p:tgtEl>
-                                        <p:attrNameLst>
-                                          <p:attrName>style.visibility</p:attrName>
-                                        </p:attrNameLst>
-                                      </p:cBhvr>
-                                      <p:to>
-                                        <p:strVal val="visible"/>
-                                      </p:to>
-                                    </p:set>
-                                  </p:childTnLst>
-                                </p:cTn>
-                              </p:par>
-                            </p:childTnLst>
-                          </p:cTn>
-                        </p:par>
-                      </p:childTnLst>
-                    </p:cTn>
-                  </p:par>
-                  <p:par>
-                    <p:cTn id="11" fill="hold">
-                      <p:stCondLst>
-                        <p:cond delay="indefinite"/>
-                      </p:stCondLst>
-                      <p:childTnLst>
-                        <p:par>
-                          <p:cTn id="12" fill="hold">
-                            <p:stCondLst>
-                              <p:cond delay="0"/>
-                            </p:stCondLst>
-                            <p:childTnLst>
-                              <p:par>
-                                <p:cTn id="13" presetID="1" presetClass="entr" presetSubtype="0" fill="hold" nodeType="clickEffect">
-                                  <p:stCondLst>
-                                    <p:cond delay="0"/>
-                                  </p:stCondLst>
-                                  <p:childTnLst>
-                                    <p:set>
-                                      <p:cBhvr>
-                                        <p:cTn id="14" dur="1" fill="hold">
-                                          <p:stCondLst>
-                                            <p:cond delay="0"/>
-                                          </p:stCondLst>
-                                        </p:cTn>
-                                        <p:tgtEl>
-                                          <p:spTgt spid="2">
-                                            <p:txEl>
-                                              <p:pRg st="4" end="4"/>
+                                              <p:pRg st="5" end="5"/>
                                             </p:txEl>
                                           </p:spTgt>
                                         </p:tgtEl>
